--- a/報告template2.pptx
+++ b/報告template2.pptx
@@ -5,18 +5,20 @@
     <p:sldMasterId id="2147483672" r:id="rId1"/>
   </p:sldMasterIdLst>
   <p:notesMasterIdLst>
-    <p:notesMasterId r:id="rId8"/>
+    <p:notesMasterId r:id="rId10"/>
   </p:notesMasterIdLst>
   <p:handoutMasterIdLst>
-    <p:handoutMasterId r:id="rId9"/>
+    <p:handoutMasterId r:id="rId11"/>
   </p:handoutMasterIdLst>
   <p:sldIdLst>
     <p:sldId id="256" r:id="rId2"/>
-    <p:sldId id="257" r:id="rId3"/>
-    <p:sldId id="278" r:id="rId4"/>
-    <p:sldId id="258" r:id="rId5"/>
-    <p:sldId id="269" r:id="rId6"/>
-    <p:sldId id="259" r:id="rId7"/>
+    <p:sldId id="279" r:id="rId3"/>
+    <p:sldId id="257" r:id="rId4"/>
+    <p:sldId id="278" r:id="rId5"/>
+    <p:sldId id="258" r:id="rId6"/>
+    <p:sldId id="269" r:id="rId7"/>
+    <p:sldId id="259" r:id="rId8"/>
+    <p:sldId id="274" r:id="rId9"/>
   </p:sldIdLst>
   <p:sldSz cx="9144000" cy="6858000" type="screen4x3"/>
   <p:notesSz cx="9874250" cy="6797675"/>
@@ -231,7 +233,7 @@
             <a:fld id="{1A2605B2-29C2-4068-966B-74B43677177F}" type="datetimeFigureOut">
               <a:rPr lang="zh-TW" altLang="en-US" smtClean="0"/>
               <a:pPr/>
-              <a:t>2020/7/9</a:t>
+              <a:t>2021/7/29</a:t>
             </a:fld>
             <a:endParaRPr lang="zh-TW" altLang="en-US"/>
           </a:p>
@@ -398,7 +400,7 @@
             <a:fld id="{76430A8A-1142-43F9-82AC-DD3B3D008E78}" type="datetimeFigureOut">
               <a:rPr lang="zh-TW" altLang="en-US" smtClean="0"/>
               <a:pPr/>
-              <a:t>2020/7/9</a:t>
+              <a:t>2021/7/29</a:t>
             </a:fld>
             <a:endParaRPr lang="zh-TW" altLang="en-US"/>
           </a:p>
@@ -464,38 +466,37 @@
           <a:p>
             <a:pPr lvl="0"/>
             <a:r>
-              <a:rPr lang="zh-TW" altLang="en-US" smtClean="0"/>
+              <a:rPr lang="zh-TW" altLang="en-US"/>
               <a:t>按一下以編輯母片文字樣式</a:t>
             </a:r>
           </a:p>
           <a:p>
             <a:pPr lvl="1"/>
             <a:r>
-              <a:rPr lang="zh-TW" altLang="en-US" smtClean="0"/>
+              <a:rPr lang="zh-TW" altLang="en-US"/>
               <a:t>第二層</a:t>
             </a:r>
           </a:p>
           <a:p>
             <a:pPr lvl="2"/>
             <a:r>
-              <a:rPr lang="zh-TW" altLang="en-US" smtClean="0"/>
+              <a:rPr lang="zh-TW" altLang="en-US"/>
               <a:t>第三層</a:t>
             </a:r>
           </a:p>
           <a:p>
             <a:pPr lvl="3"/>
             <a:r>
-              <a:rPr lang="zh-TW" altLang="en-US" smtClean="0"/>
+              <a:rPr lang="zh-TW" altLang="en-US"/>
               <a:t>第四層</a:t>
             </a:r>
           </a:p>
           <a:p>
             <a:pPr lvl="4"/>
             <a:r>
-              <a:rPr lang="zh-TW" altLang="en-US" smtClean="0"/>
+              <a:rPr lang="zh-TW" altLang="en-US"/>
               <a:t>第五層</a:t>
             </a:r>
-            <a:endParaRPr lang="zh-TW" altLang="en-US"/>
           </a:p>
         </p:txBody>
       </p:sp>
@@ -755,11 +756,11 @@
 </file>
 
 <file path=ppt/notesSlides/notesSlide2.xml><?xml version="1.0" encoding="utf-8"?>
-<p:notes xmlns:a="http://schemas.openxmlformats.org/drawingml/2006/main" xmlns:r="http://schemas.openxmlformats.org/officeDocument/2006/relationships" xmlns:p="http://schemas.openxmlformats.org/presentationml/2006/main">
+<p:notes xmlns:a="http://schemas.openxmlformats.org/drawingml/2006/main" xmlns:r="http://schemas.openxmlformats.org/officeDocument/2006/relationships" xmlns:p="http://schemas.openxmlformats.org/presentationml/2006/main" showMasterSp="0" showMasterPhAnim="0">
   <p:cSld>
     <p:spTree>
       <p:nvGrpSpPr>
-        <p:cNvPr id="1" name=""/>
+        <p:cNvPr id="1" name="Shape 84"/>
         <p:cNvGrpSpPr/>
         <p:nvPr/>
       </p:nvGrpSpPr>
@@ -773,65 +774,144 @@
       </p:grpSpPr>
       <p:sp>
         <p:nvSpPr>
-          <p:cNvPr id="2" name="投影片圖像版面配置區 1"/>
+          <p:cNvPr id="85" name="Google Shape;85;p1:notes"/>
           <p:cNvSpPr>
             <a:spLocks noGrp="1" noRot="1" noChangeAspect="1"/>
           </p:cNvSpPr>
           <p:nvPr>
-            <p:ph type="sldImg"/>
-          </p:nvPr>
-        </p:nvSpPr>
-        <p:spPr/>
-      </p:sp>
-      <p:sp>
-        <p:nvSpPr>
-          <p:cNvPr id="3" name="備忘稿版面配置區 2"/>
-          <p:cNvSpPr>
+            <p:ph type="sldImg" idx="2"/>
+          </p:nvPr>
+        </p:nvSpPr>
+        <p:spPr>
+          <a:xfrm>
+            <a:off x="3236913" y="509588"/>
+            <a:ext cx="3400425" cy="2549525"/>
+          </a:xfrm>
+          <a:custGeom>
+            <a:avLst/>
+            <a:gdLst/>
+            <a:ahLst/>
+            <a:cxnLst/>
+            <a:rect l="l" t="t" r="r" b="b"/>
+            <a:pathLst>
+              <a:path w="120000" h="120000" extrusionOk="0">
+                <a:moveTo>
+                  <a:pt x="0" y="0"/>
+                </a:moveTo>
+                <a:lnTo>
+                  <a:pt x="120000" y="0"/>
+                </a:lnTo>
+                <a:lnTo>
+                  <a:pt x="120000" y="120000"/>
+                </a:lnTo>
+                <a:lnTo>
+                  <a:pt x="0" y="120000"/>
+                </a:lnTo>
+                <a:close/>
+              </a:path>
+            </a:pathLst>
+          </a:custGeom>
+          <a:noFill/>
+          <a:ln w="12700" cap="flat" cmpd="sng">
+            <a:solidFill>
+              <a:srgbClr val="000000"/>
+            </a:solidFill>
+            <a:prstDash val="solid"/>
+            <a:round/>
+            <a:headEnd type="none" w="sm" len="sm"/>
+            <a:tailEnd type="none" w="sm" len="sm"/>
+          </a:ln>
+        </p:spPr>
+      </p:sp>
+      <p:sp>
+        <p:nvSpPr>
+          <p:cNvPr id="86" name="Google Shape;86;p1:notes"/>
+          <p:cNvSpPr txBox="1">
             <a:spLocks noGrp="1"/>
           </p:cNvSpPr>
           <p:nvPr>
             <p:ph type="body" idx="1"/>
           </p:nvPr>
         </p:nvSpPr>
-        <p:spPr/>
-        <p:txBody>
-          <a:bodyPr/>
+        <p:spPr>
+          <a:xfrm>
+            <a:off x="987426" y="3228896"/>
+            <a:ext cx="7899400" cy="3058954"/>
+          </a:xfrm>
+          <a:prstGeom prst="rect">
+            <a:avLst/>
+          </a:prstGeom>
+          <a:noFill/>
+          <a:ln>
+            <a:noFill/>
+          </a:ln>
+        </p:spPr>
+        <p:txBody>
+          <a:bodyPr spcFirstLastPara="1" wrap="square" lIns="91425" tIns="45700" rIns="91425" bIns="45700" anchor="t" anchorCtr="0">
+            <a:normAutofit/>
+          </a:bodyPr>
           <a:lstStyle/>
           <a:p>
-            <a:endParaRPr lang="zh-TW" altLang="en-US"/>
-          </a:p>
-        </p:txBody>
-      </p:sp>
-      <p:sp>
-        <p:nvSpPr>
-          <p:cNvPr id="4" name="投影片編號版面配置區 3"/>
-          <p:cNvSpPr>
-            <a:spLocks noGrp="1"/>
-          </p:cNvSpPr>
-          <p:nvPr>
-            <p:ph type="sldNum" sz="quarter" idx="10"/>
-          </p:nvPr>
-        </p:nvSpPr>
-        <p:spPr/>
-        <p:txBody>
-          <a:bodyPr/>
+            <a:pPr marL="0" lvl="0" indent="0" algn="l" rtl="0">
+              <a:spcBef>
+                <a:spcPts val="0"/>
+              </a:spcBef>
+              <a:spcAft>
+                <a:spcPts val="0"/>
+              </a:spcAft>
+              <a:buNone/>
+            </a:pPr>
+            <a:endParaRPr/>
+          </a:p>
+        </p:txBody>
+      </p:sp>
+      <p:sp>
+        <p:nvSpPr>
+          <p:cNvPr id="87" name="Google Shape;87;p1:notes"/>
+          <p:cNvSpPr txBox="1">
+            <a:spLocks noGrp="1"/>
+          </p:cNvSpPr>
+          <p:nvPr>
+            <p:ph type="sldNum" idx="12"/>
+          </p:nvPr>
+        </p:nvSpPr>
+        <p:spPr>
+          <a:xfrm>
+            <a:off x="5593127" y="6456612"/>
+            <a:ext cx="4278841" cy="339884"/>
+          </a:xfrm>
+          <a:prstGeom prst="rect">
+            <a:avLst/>
+          </a:prstGeom>
+          <a:noFill/>
+          <a:ln>
+            <a:noFill/>
+          </a:ln>
+        </p:spPr>
+        <p:txBody>
+          <a:bodyPr spcFirstLastPara="1" wrap="square" lIns="91425" tIns="45700" rIns="91425" bIns="45700" anchor="b" anchorCtr="0">
+            <a:noAutofit/>
+          </a:bodyPr>
           <a:lstStyle/>
           <a:p>
-            <a:fld id="{35C31BBA-9F9F-4F0B-B497-E526850DAAF6}" type="slidenum">
-              <a:rPr lang="zh-TW" altLang="en-US" smtClean="0"/>
-              <a:pPr/>
+            <a:pPr marL="0" lvl="0" indent="0" algn="r" rtl="0">
+              <a:spcBef>
+                <a:spcPts val="0"/>
+              </a:spcBef>
+              <a:spcAft>
+                <a:spcPts val="0"/>
+              </a:spcAft>
+              <a:buNone/>
+            </a:pPr>
+            <a:fld id="{00000000-1234-1234-1234-123412341234}" type="slidenum">
+              <a:rPr lang="en-US"/>
               <a:t>2</a:t>
             </a:fld>
-            <a:endParaRPr lang="zh-TW" altLang="en-US"/>
+            <a:endParaRPr/>
           </a:p>
         </p:txBody>
       </p:sp>
     </p:spTree>
-    <p:extLst>
-      <p:ext uri="{BB962C8B-B14F-4D97-AF65-F5344CB8AC3E}">
-        <p14:creationId xmlns:p14="http://schemas.microsoft.com/office/powerpoint/2010/main" val="1321045343"/>
-      </p:ext>
-    </p:extLst>
   </p:cSld>
   <p:clrMapOvr>
     <a:masterClrMapping/>
@@ -914,7 +994,7 @@
     </p:spTree>
     <p:extLst>
       <p:ext uri="{BB962C8B-B14F-4D97-AF65-F5344CB8AC3E}">
-        <p14:creationId xmlns:p14="http://schemas.microsoft.com/office/powerpoint/2010/main" val="3560986774"/>
+        <p14:creationId xmlns:p14="http://schemas.microsoft.com/office/powerpoint/2010/main" val="1321045343"/>
       </p:ext>
     </p:extLst>
   </p:cSld>
@@ -999,7 +1079,7 @@
     </p:spTree>
     <p:extLst>
       <p:ext uri="{BB962C8B-B14F-4D97-AF65-F5344CB8AC3E}">
-        <p14:creationId xmlns:p14="http://schemas.microsoft.com/office/powerpoint/2010/main" val="2692908349"/>
+        <p14:creationId xmlns:p14="http://schemas.microsoft.com/office/powerpoint/2010/main" val="3560986774"/>
       </p:ext>
     </p:extLst>
   </p:cSld>
@@ -1084,7 +1164,7 @@
     </p:spTree>
     <p:extLst>
       <p:ext uri="{BB962C8B-B14F-4D97-AF65-F5344CB8AC3E}">
-        <p14:creationId xmlns:p14="http://schemas.microsoft.com/office/powerpoint/2010/main" val="194840021"/>
+        <p14:creationId xmlns:p14="http://schemas.microsoft.com/office/powerpoint/2010/main" val="2692908349"/>
       </p:ext>
     </p:extLst>
   </p:cSld>
@@ -1169,9 +1249,258 @@
     </p:spTree>
     <p:extLst>
       <p:ext uri="{BB962C8B-B14F-4D97-AF65-F5344CB8AC3E}">
+        <p14:creationId xmlns:p14="http://schemas.microsoft.com/office/powerpoint/2010/main" val="194840021"/>
+      </p:ext>
+    </p:extLst>
+  </p:cSld>
+  <p:clrMapOvr>
+    <a:masterClrMapping/>
+  </p:clrMapOvr>
+</p:notes>
+</file>
+
+<file path=ppt/notesSlides/notesSlide7.xml><?xml version="1.0" encoding="utf-8"?>
+<p:notes xmlns:a="http://schemas.openxmlformats.org/drawingml/2006/main" xmlns:r="http://schemas.openxmlformats.org/officeDocument/2006/relationships" xmlns:p="http://schemas.openxmlformats.org/presentationml/2006/main">
+  <p:cSld>
+    <p:spTree>
+      <p:nvGrpSpPr>
+        <p:cNvPr id="1" name=""/>
+        <p:cNvGrpSpPr/>
+        <p:nvPr/>
+      </p:nvGrpSpPr>
+      <p:grpSpPr>
+        <a:xfrm>
+          <a:off x="0" y="0"/>
+          <a:ext cx="0" cy="0"/>
+          <a:chOff x="0" y="0"/>
+          <a:chExt cx="0" cy="0"/>
+        </a:xfrm>
+      </p:grpSpPr>
+      <p:sp>
+        <p:nvSpPr>
+          <p:cNvPr id="2" name="投影片圖像版面配置區 1"/>
+          <p:cNvSpPr>
+            <a:spLocks noGrp="1" noRot="1" noChangeAspect="1"/>
+          </p:cNvSpPr>
+          <p:nvPr>
+            <p:ph type="sldImg"/>
+          </p:nvPr>
+        </p:nvSpPr>
+        <p:spPr/>
+      </p:sp>
+      <p:sp>
+        <p:nvSpPr>
+          <p:cNvPr id="3" name="備忘稿版面配置區 2"/>
+          <p:cNvSpPr>
+            <a:spLocks noGrp="1"/>
+          </p:cNvSpPr>
+          <p:nvPr>
+            <p:ph type="body" idx="1"/>
+          </p:nvPr>
+        </p:nvSpPr>
+        <p:spPr/>
+        <p:txBody>
+          <a:bodyPr/>
+          <a:lstStyle/>
+          <a:p>
+            <a:endParaRPr lang="zh-TW" altLang="en-US"/>
+          </a:p>
+        </p:txBody>
+      </p:sp>
+      <p:sp>
+        <p:nvSpPr>
+          <p:cNvPr id="4" name="投影片編號版面配置區 3"/>
+          <p:cNvSpPr>
+            <a:spLocks noGrp="1"/>
+          </p:cNvSpPr>
+          <p:nvPr>
+            <p:ph type="sldNum" sz="quarter" idx="10"/>
+          </p:nvPr>
+        </p:nvSpPr>
+        <p:spPr/>
+        <p:txBody>
+          <a:bodyPr/>
+          <a:lstStyle/>
+          <a:p>
+            <a:fld id="{35C31BBA-9F9F-4F0B-B497-E526850DAAF6}" type="slidenum">
+              <a:rPr lang="zh-TW" altLang="en-US" smtClean="0"/>
+              <a:pPr/>
+              <a:t>7</a:t>
+            </a:fld>
+            <a:endParaRPr lang="zh-TW" altLang="en-US"/>
+          </a:p>
+        </p:txBody>
+      </p:sp>
+    </p:spTree>
+    <p:extLst>
+      <p:ext uri="{BB962C8B-B14F-4D97-AF65-F5344CB8AC3E}">
         <p14:creationId xmlns:p14="http://schemas.microsoft.com/office/powerpoint/2010/main" val="4276595407"/>
       </p:ext>
     </p:extLst>
+  </p:cSld>
+  <p:clrMapOvr>
+    <a:masterClrMapping/>
+  </p:clrMapOvr>
+</p:notes>
+</file>
+
+<file path=ppt/notesSlides/notesSlide8.xml><?xml version="1.0" encoding="utf-8"?>
+<p:notes xmlns:a="http://schemas.openxmlformats.org/drawingml/2006/main" xmlns:r="http://schemas.openxmlformats.org/officeDocument/2006/relationships" xmlns:p="http://schemas.openxmlformats.org/presentationml/2006/main" showMasterSp="0" showMasterPhAnim="0">
+  <p:cSld>
+    <p:spTree>
+      <p:nvGrpSpPr>
+        <p:cNvPr id="1" name="Shape 231"/>
+        <p:cNvGrpSpPr/>
+        <p:nvPr/>
+      </p:nvGrpSpPr>
+      <p:grpSpPr>
+        <a:xfrm>
+          <a:off x="0" y="0"/>
+          <a:ext cx="0" cy="0"/>
+          <a:chOff x="0" y="0"/>
+          <a:chExt cx="0" cy="0"/>
+        </a:xfrm>
+      </p:grpSpPr>
+      <p:sp>
+        <p:nvSpPr>
+          <p:cNvPr id="232" name="Google Shape;232;p20:notes"/>
+          <p:cNvSpPr>
+            <a:spLocks noGrp="1" noRot="1" noChangeAspect="1"/>
+          </p:cNvSpPr>
+          <p:nvPr>
+            <p:ph type="sldImg" idx="2"/>
+          </p:nvPr>
+        </p:nvSpPr>
+        <p:spPr>
+          <a:xfrm>
+            <a:off x="3236913" y="509588"/>
+            <a:ext cx="3400425" cy="2549525"/>
+          </a:xfrm>
+          <a:custGeom>
+            <a:avLst/>
+            <a:gdLst/>
+            <a:ahLst/>
+            <a:cxnLst/>
+            <a:rect l="l" t="t" r="r" b="b"/>
+            <a:pathLst>
+              <a:path w="120000" h="120000" extrusionOk="0">
+                <a:moveTo>
+                  <a:pt x="0" y="0"/>
+                </a:moveTo>
+                <a:lnTo>
+                  <a:pt x="120000" y="0"/>
+                </a:lnTo>
+                <a:lnTo>
+                  <a:pt x="120000" y="120000"/>
+                </a:lnTo>
+                <a:lnTo>
+                  <a:pt x="0" y="120000"/>
+                </a:lnTo>
+                <a:close/>
+              </a:path>
+            </a:pathLst>
+          </a:custGeom>
+          <a:noFill/>
+          <a:ln w="12700" cap="flat" cmpd="sng">
+            <a:solidFill>
+              <a:srgbClr val="000000"/>
+            </a:solidFill>
+            <a:prstDash val="solid"/>
+            <a:round/>
+            <a:headEnd type="none" w="sm" len="sm"/>
+            <a:tailEnd type="none" w="sm" len="sm"/>
+          </a:ln>
+        </p:spPr>
+      </p:sp>
+      <p:sp>
+        <p:nvSpPr>
+          <p:cNvPr id="233" name="Google Shape;233;p20:notes"/>
+          <p:cNvSpPr txBox="1">
+            <a:spLocks noGrp="1"/>
+          </p:cNvSpPr>
+          <p:nvPr>
+            <p:ph type="body" idx="1"/>
+          </p:nvPr>
+        </p:nvSpPr>
+        <p:spPr>
+          <a:xfrm>
+            <a:off x="987426" y="3228896"/>
+            <a:ext cx="7899400" cy="3058954"/>
+          </a:xfrm>
+          <a:prstGeom prst="rect">
+            <a:avLst/>
+          </a:prstGeom>
+          <a:noFill/>
+          <a:ln>
+            <a:noFill/>
+          </a:ln>
+        </p:spPr>
+        <p:txBody>
+          <a:bodyPr spcFirstLastPara="1" wrap="square" lIns="91425" tIns="45700" rIns="91425" bIns="45700" anchor="t" anchorCtr="0">
+            <a:normAutofit/>
+          </a:bodyPr>
+          <a:lstStyle/>
+          <a:p>
+            <a:pPr marL="0" lvl="0" indent="0" algn="l" rtl="0">
+              <a:spcBef>
+                <a:spcPts val="0"/>
+              </a:spcBef>
+              <a:spcAft>
+                <a:spcPts val="0"/>
+              </a:spcAft>
+              <a:buNone/>
+            </a:pPr>
+            <a:endParaRPr/>
+          </a:p>
+        </p:txBody>
+      </p:sp>
+      <p:sp>
+        <p:nvSpPr>
+          <p:cNvPr id="234" name="Google Shape;234;p20:notes"/>
+          <p:cNvSpPr txBox="1">
+            <a:spLocks noGrp="1"/>
+          </p:cNvSpPr>
+          <p:nvPr>
+            <p:ph type="sldNum" idx="12"/>
+          </p:nvPr>
+        </p:nvSpPr>
+        <p:spPr>
+          <a:xfrm>
+            <a:off x="5593127" y="6456612"/>
+            <a:ext cx="4278841" cy="339884"/>
+          </a:xfrm>
+          <a:prstGeom prst="rect">
+            <a:avLst/>
+          </a:prstGeom>
+          <a:noFill/>
+          <a:ln>
+            <a:noFill/>
+          </a:ln>
+        </p:spPr>
+        <p:txBody>
+          <a:bodyPr spcFirstLastPara="1" wrap="square" lIns="91425" tIns="45700" rIns="91425" bIns="45700" anchor="b" anchorCtr="0">
+            <a:noAutofit/>
+          </a:bodyPr>
+          <a:lstStyle/>
+          <a:p>
+            <a:pPr marL="0" lvl="0" indent="0" algn="r" rtl="0">
+              <a:spcBef>
+                <a:spcPts val="0"/>
+              </a:spcBef>
+              <a:spcAft>
+                <a:spcPts val="0"/>
+              </a:spcAft>
+              <a:buNone/>
+            </a:pPr>
+            <a:fld id="{00000000-1234-1234-1234-123412341234}" type="slidenum">
+              <a:rPr lang="en-US"/>
+              <a:t>8</a:t>
+            </a:fld>
+            <a:endParaRPr/>
+          </a:p>
+        </p:txBody>
+      </p:sp>
+    </p:spTree>
   </p:cSld>
   <p:clrMapOvr>
     <a:masterClrMapping/>
@@ -1224,10 +1553,9 @@
           </a:lstStyle>
           <a:p>
             <a:r>
-              <a:rPr lang="zh-TW" altLang="en-US" dirty="0" smtClean="0"/>
+              <a:rPr lang="zh-TW" altLang="en-US" dirty="0"/>
               <a:t>按一下以編輯母片標題樣式</a:t>
             </a:r>
-            <a:endParaRPr lang="zh-TW" altLang="en-US" dirty="0"/>
           </a:p>
         </p:txBody>
       </p:sp>
@@ -1345,10 +1673,9 @@
           </a:lstStyle>
           <a:p>
             <a:r>
-              <a:rPr lang="zh-TW" altLang="en-US" smtClean="0"/>
+              <a:rPr lang="zh-TW" altLang="en-US"/>
               <a:t>按一下以編輯母片副標題樣式</a:t>
             </a:r>
-            <a:endParaRPr lang="zh-TW" altLang="en-US"/>
           </a:p>
         </p:txBody>
       </p:sp>
@@ -1383,7 +1710,7 @@
                 </a:solidFill>
               </a:rPr>
               <a:pPr/>
-              <a:t>2020/7/9</a:t>
+              <a:t>2021/7/29</a:t>
             </a:fld>
             <a:endParaRPr lang="zh-TW" altLang="en-US">
               <a:solidFill>
@@ -1475,13 +1802,6 @@
   <p:clrMapOvr>
     <a:masterClrMapping/>
   </p:clrMapOvr>
-  <p:timing>
-    <p:tnLst>
-      <p:par>
-        <p:cTn id="1" dur="indefinite" restart="never" nodeType="tmRoot"/>
-      </p:par>
-    </p:tnLst>
-  </p:timing>
 </p:sldLayout>
 </file>
 
@@ -1518,10 +1838,9 @@
           <a:lstStyle/>
           <a:p>
             <a:r>
-              <a:rPr lang="zh-TW" altLang="en-US" smtClean="0"/>
+              <a:rPr lang="zh-TW" altLang="en-US"/>
               <a:t>按一下以編輯母片標題樣式</a:t>
             </a:r>
-            <a:endParaRPr lang="zh-TW" altLang="en-US"/>
           </a:p>
         </p:txBody>
       </p:sp>
@@ -1542,38 +1861,37 @@
           <a:p>
             <a:pPr lvl="0"/>
             <a:r>
-              <a:rPr lang="zh-TW" altLang="en-US" smtClean="0"/>
+              <a:rPr lang="zh-TW" altLang="en-US"/>
               <a:t>按一下以編輯母片文字樣式</a:t>
             </a:r>
           </a:p>
           <a:p>
             <a:pPr lvl="1"/>
             <a:r>
-              <a:rPr lang="zh-TW" altLang="en-US" smtClean="0"/>
+              <a:rPr lang="zh-TW" altLang="en-US"/>
               <a:t>第二層</a:t>
             </a:r>
           </a:p>
           <a:p>
             <a:pPr lvl="2"/>
             <a:r>
-              <a:rPr lang="zh-TW" altLang="en-US" smtClean="0"/>
+              <a:rPr lang="zh-TW" altLang="en-US"/>
               <a:t>第三層</a:t>
             </a:r>
           </a:p>
           <a:p>
             <a:pPr lvl="3"/>
             <a:r>
-              <a:rPr lang="zh-TW" altLang="en-US" smtClean="0"/>
+              <a:rPr lang="zh-TW" altLang="en-US"/>
               <a:t>第四層</a:t>
             </a:r>
           </a:p>
           <a:p>
             <a:pPr lvl="4"/>
             <a:r>
-              <a:rPr lang="zh-TW" altLang="en-US" smtClean="0"/>
+              <a:rPr lang="zh-TW" altLang="en-US"/>
               <a:t>第五層</a:t>
             </a:r>
-            <a:endParaRPr lang="zh-TW" altLang="en-US"/>
           </a:p>
         </p:txBody>
       </p:sp>
@@ -1600,7 +1918,7 @@
                   </a:prstClr>
                 </a:solidFill>
               </a:rPr>
-              <a:t>2020/7/9</a:t>
+              <a:t>2021/7/29</a:t>
             </a:fld>
             <a:endParaRPr lang="zh-TW" altLang="en-US">
               <a:solidFill>
@@ -1719,10 +2037,9 @@
           <a:lstStyle/>
           <a:p>
             <a:r>
-              <a:rPr lang="zh-TW" altLang="en-US" smtClean="0"/>
+              <a:rPr lang="zh-TW" altLang="en-US"/>
               <a:t>按一下以編輯母片標題樣式</a:t>
             </a:r>
-            <a:endParaRPr lang="zh-TW" altLang="en-US"/>
           </a:p>
         </p:txBody>
       </p:sp>
@@ -1748,38 +2065,37 @@
           <a:p>
             <a:pPr lvl="0"/>
             <a:r>
-              <a:rPr lang="zh-TW" altLang="en-US" smtClean="0"/>
+              <a:rPr lang="zh-TW" altLang="en-US"/>
               <a:t>按一下以編輯母片文字樣式</a:t>
             </a:r>
           </a:p>
           <a:p>
             <a:pPr lvl="1"/>
             <a:r>
-              <a:rPr lang="zh-TW" altLang="en-US" smtClean="0"/>
+              <a:rPr lang="zh-TW" altLang="en-US"/>
               <a:t>第二層</a:t>
             </a:r>
           </a:p>
           <a:p>
             <a:pPr lvl="2"/>
             <a:r>
-              <a:rPr lang="zh-TW" altLang="en-US" smtClean="0"/>
+              <a:rPr lang="zh-TW" altLang="en-US"/>
               <a:t>第三層</a:t>
             </a:r>
           </a:p>
           <a:p>
             <a:pPr lvl="3"/>
             <a:r>
-              <a:rPr lang="zh-TW" altLang="en-US" smtClean="0"/>
+              <a:rPr lang="zh-TW" altLang="en-US"/>
               <a:t>第四層</a:t>
             </a:r>
           </a:p>
           <a:p>
             <a:pPr lvl="4"/>
             <a:r>
-              <a:rPr lang="zh-TW" altLang="en-US" smtClean="0"/>
+              <a:rPr lang="zh-TW" altLang="en-US"/>
               <a:t>第五層</a:t>
             </a:r>
-            <a:endParaRPr lang="zh-TW" altLang="en-US"/>
           </a:p>
         </p:txBody>
       </p:sp>
@@ -1806,7 +2122,7 @@
                   </a:prstClr>
                 </a:solidFill>
               </a:rPr>
-              <a:t>2020/7/9</a:t>
+              <a:t>2021/7/29</a:t>
             </a:fld>
             <a:endParaRPr lang="zh-TW" altLang="en-US">
               <a:solidFill>
@@ -1941,10 +2257,9 @@
           </a:lstStyle>
           <a:p>
             <a:r>
-              <a:rPr lang="zh-TW" altLang="en-US" dirty="0" smtClean="0"/>
+              <a:rPr lang="zh-TW" altLang="en-US" dirty="0"/>
               <a:t>按一下以編輯母片標題樣式</a:t>
             </a:r>
-            <a:endParaRPr lang="zh-TW" altLang="en-US" dirty="0"/>
           </a:p>
         </p:txBody>
       </p:sp>
@@ -2003,38 +2318,37 @@
           <a:p>
             <a:pPr lvl="0"/>
             <a:r>
-              <a:rPr lang="zh-TW" altLang="en-US" dirty="0" smtClean="0"/>
+              <a:rPr lang="zh-TW" altLang="en-US" dirty="0"/>
               <a:t>按一下以編輯母片文字樣式</a:t>
             </a:r>
           </a:p>
           <a:p>
             <a:pPr lvl="1"/>
             <a:r>
-              <a:rPr lang="zh-TW" altLang="en-US" dirty="0" smtClean="0"/>
+              <a:rPr lang="zh-TW" altLang="en-US" dirty="0"/>
               <a:t>第二層</a:t>
             </a:r>
           </a:p>
           <a:p>
             <a:pPr lvl="2"/>
             <a:r>
-              <a:rPr lang="zh-TW" altLang="en-US" dirty="0" smtClean="0"/>
+              <a:rPr lang="zh-TW" altLang="en-US" dirty="0"/>
               <a:t>第三層</a:t>
             </a:r>
           </a:p>
           <a:p>
             <a:pPr lvl="3"/>
             <a:r>
-              <a:rPr lang="zh-TW" altLang="en-US" dirty="0" smtClean="0"/>
+              <a:rPr lang="zh-TW" altLang="en-US" dirty="0"/>
               <a:t>第四層</a:t>
             </a:r>
           </a:p>
           <a:p>
             <a:pPr lvl="4"/>
             <a:r>
-              <a:rPr lang="zh-TW" altLang="en-US" dirty="0" smtClean="0"/>
+              <a:rPr lang="zh-TW" altLang="en-US" dirty="0"/>
               <a:t>第五層</a:t>
             </a:r>
-            <a:endParaRPr lang="zh-TW" altLang="en-US" dirty="0"/>
           </a:p>
         </p:txBody>
       </p:sp>
@@ -2069,7 +2383,7 @@
                 </a:solidFill>
               </a:rPr>
               <a:pPr/>
-              <a:t>2020/7/9</a:t>
+              <a:t>2021/7/29</a:t>
             </a:fld>
             <a:endParaRPr lang="zh-TW" altLang="en-US" dirty="0">
               <a:solidFill>
@@ -2166,13 +2480,6 @@
   <p:clrMapOvr>
     <a:masterClrMapping/>
   </p:clrMapOvr>
-  <p:timing>
-    <p:tnLst>
-      <p:par>
-        <p:cTn id="1" dur="indefinite" restart="never" nodeType="tmRoot"/>
-      </p:par>
-    </p:tnLst>
-  </p:timing>
 </p:sldLayout>
 </file>
 
@@ -2218,10 +2525,9 @@
           </a:lstStyle>
           <a:p>
             <a:r>
-              <a:rPr lang="zh-TW" altLang="en-US" smtClean="0"/>
+              <a:rPr lang="zh-TW" altLang="en-US"/>
               <a:t>按一下以編輯母片標題樣式</a:t>
             </a:r>
-            <a:endParaRPr lang="zh-TW" altLang="en-US"/>
           </a:p>
         </p:txBody>
       </p:sp>
@@ -2338,7 +2644,7 @@
           <a:p>
             <a:pPr lvl="0"/>
             <a:r>
-              <a:rPr lang="zh-TW" altLang="en-US" smtClean="0"/>
+              <a:rPr lang="zh-TW" altLang="en-US"/>
               <a:t>按一下以編輯母片文字樣式</a:t>
             </a:r>
           </a:p>
@@ -2367,7 +2673,7 @@
                   </a:prstClr>
                 </a:solidFill>
               </a:rPr>
-              <a:t>2020/7/9</a:t>
+              <a:t>2021/7/29</a:t>
             </a:fld>
             <a:endParaRPr lang="zh-TW" altLang="en-US">
               <a:solidFill>
@@ -2481,10 +2787,9 @@
           <a:lstStyle/>
           <a:p>
             <a:r>
-              <a:rPr lang="zh-TW" altLang="en-US" smtClean="0"/>
+              <a:rPr lang="zh-TW" altLang="en-US"/>
               <a:t>按一下以編輯母片標題樣式</a:t>
             </a:r>
-            <a:endParaRPr lang="zh-TW" altLang="en-US"/>
           </a:p>
         </p:txBody>
       </p:sp>
@@ -2538,38 +2843,37 @@
           <a:p>
             <a:pPr lvl="0"/>
             <a:r>
-              <a:rPr lang="zh-TW" altLang="en-US" smtClean="0"/>
+              <a:rPr lang="zh-TW" altLang="en-US"/>
               <a:t>按一下以編輯母片文字樣式</a:t>
             </a:r>
           </a:p>
           <a:p>
             <a:pPr lvl="1"/>
             <a:r>
-              <a:rPr lang="zh-TW" altLang="en-US" smtClean="0"/>
+              <a:rPr lang="zh-TW" altLang="en-US"/>
               <a:t>第二層</a:t>
             </a:r>
           </a:p>
           <a:p>
             <a:pPr lvl="2"/>
             <a:r>
-              <a:rPr lang="zh-TW" altLang="en-US" smtClean="0"/>
+              <a:rPr lang="zh-TW" altLang="en-US"/>
               <a:t>第三層</a:t>
             </a:r>
           </a:p>
           <a:p>
             <a:pPr lvl="3"/>
             <a:r>
-              <a:rPr lang="zh-TW" altLang="en-US" smtClean="0"/>
+              <a:rPr lang="zh-TW" altLang="en-US"/>
               <a:t>第四層</a:t>
             </a:r>
           </a:p>
           <a:p>
             <a:pPr lvl="4"/>
             <a:r>
-              <a:rPr lang="zh-TW" altLang="en-US" smtClean="0"/>
+              <a:rPr lang="zh-TW" altLang="en-US"/>
               <a:t>第五層</a:t>
             </a:r>
-            <a:endParaRPr lang="zh-TW" altLang="en-US"/>
           </a:p>
         </p:txBody>
       </p:sp>
@@ -2623,38 +2927,37 @@
           <a:p>
             <a:pPr lvl="0"/>
             <a:r>
-              <a:rPr lang="zh-TW" altLang="en-US" smtClean="0"/>
+              <a:rPr lang="zh-TW" altLang="en-US"/>
               <a:t>按一下以編輯母片文字樣式</a:t>
             </a:r>
           </a:p>
           <a:p>
             <a:pPr lvl="1"/>
             <a:r>
-              <a:rPr lang="zh-TW" altLang="en-US" smtClean="0"/>
+              <a:rPr lang="zh-TW" altLang="en-US"/>
               <a:t>第二層</a:t>
             </a:r>
           </a:p>
           <a:p>
             <a:pPr lvl="2"/>
             <a:r>
-              <a:rPr lang="zh-TW" altLang="en-US" smtClean="0"/>
+              <a:rPr lang="zh-TW" altLang="en-US"/>
               <a:t>第三層</a:t>
             </a:r>
           </a:p>
           <a:p>
             <a:pPr lvl="3"/>
             <a:r>
-              <a:rPr lang="zh-TW" altLang="en-US" smtClean="0"/>
+              <a:rPr lang="zh-TW" altLang="en-US"/>
               <a:t>第四層</a:t>
             </a:r>
           </a:p>
           <a:p>
             <a:pPr lvl="4"/>
             <a:r>
-              <a:rPr lang="zh-TW" altLang="en-US" smtClean="0"/>
+              <a:rPr lang="zh-TW" altLang="en-US"/>
               <a:t>第五層</a:t>
             </a:r>
-            <a:endParaRPr lang="zh-TW" altLang="en-US"/>
           </a:p>
         </p:txBody>
       </p:sp>
@@ -2681,7 +2984,7 @@
                   </a:prstClr>
                 </a:solidFill>
               </a:rPr>
-              <a:t>2020/7/9</a:t>
+              <a:t>2021/7/29</a:t>
             </a:fld>
             <a:endParaRPr lang="zh-TW" altLang="en-US">
               <a:solidFill>
@@ -2799,10 +3102,9 @@
           </a:lstStyle>
           <a:p>
             <a:r>
-              <a:rPr lang="zh-TW" altLang="en-US" smtClean="0"/>
+              <a:rPr lang="zh-TW" altLang="en-US"/>
               <a:t>按一下以編輯母片標題樣式</a:t>
             </a:r>
-            <a:endParaRPr lang="zh-TW" altLang="en-US"/>
           </a:p>
         </p:txBody>
       </p:sp>
@@ -2865,7 +3167,7 @@
           <a:p>
             <a:pPr lvl="0"/>
             <a:r>
-              <a:rPr lang="zh-TW" altLang="en-US" smtClean="0"/>
+              <a:rPr lang="zh-TW" altLang="en-US"/>
               <a:t>按一下以編輯母片文字樣式</a:t>
             </a:r>
           </a:p>
@@ -2921,38 +3223,37 @@
           <a:p>
             <a:pPr lvl="0"/>
             <a:r>
-              <a:rPr lang="zh-TW" altLang="en-US" smtClean="0"/>
+              <a:rPr lang="zh-TW" altLang="en-US"/>
               <a:t>按一下以編輯母片文字樣式</a:t>
             </a:r>
           </a:p>
           <a:p>
             <a:pPr lvl="1"/>
             <a:r>
-              <a:rPr lang="zh-TW" altLang="en-US" smtClean="0"/>
+              <a:rPr lang="zh-TW" altLang="en-US"/>
               <a:t>第二層</a:t>
             </a:r>
           </a:p>
           <a:p>
             <a:pPr lvl="2"/>
             <a:r>
-              <a:rPr lang="zh-TW" altLang="en-US" smtClean="0"/>
+              <a:rPr lang="zh-TW" altLang="en-US"/>
               <a:t>第三層</a:t>
             </a:r>
           </a:p>
           <a:p>
             <a:pPr lvl="3"/>
             <a:r>
-              <a:rPr lang="zh-TW" altLang="en-US" smtClean="0"/>
+              <a:rPr lang="zh-TW" altLang="en-US"/>
               <a:t>第四層</a:t>
             </a:r>
           </a:p>
           <a:p>
             <a:pPr lvl="4"/>
             <a:r>
-              <a:rPr lang="zh-TW" altLang="en-US" smtClean="0"/>
+              <a:rPr lang="zh-TW" altLang="en-US"/>
               <a:t>第五層</a:t>
             </a:r>
-            <a:endParaRPr lang="zh-TW" altLang="en-US"/>
           </a:p>
         </p:txBody>
       </p:sp>
@@ -3015,7 +3316,7 @@
           <a:p>
             <a:pPr lvl="0"/>
             <a:r>
-              <a:rPr lang="zh-TW" altLang="en-US" smtClean="0"/>
+              <a:rPr lang="zh-TW" altLang="en-US"/>
               <a:t>按一下以編輯母片文字樣式</a:t>
             </a:r>
           </a:p>
@@ -3071,38 +3372,37 @@
           <a:p>
             <a:pPr lvl="0"/>
             <a:r>
-              <a:rPr lang="zh-TW" altLang="en-US" smtClean="0"/>
+              <a:rPr lang="zh-TW" altLang="en-US"/>
               <a:t>按一下以編輯母片文字樣式</a:t>
             </a:r>
           </a:p>
           <a:p>
             <a:pPr lvl="1"/>
             <a:r>
-              <a:rPr lang="zh-TW" altLang="en-US" smtClean="0"/>
+              <a:rPr lang="zh-TW" altLang="en-US"/>
               <a:t>第二層</a:t>
             </a:r>
           </a:p>
           <a:p>
             <a:pPr lvl="2"/>
             <a:r>
-              <a:rPr lang="zh-TW" altLang="en-US" smtClean="0"/>
+              <a:rPr lang="zh-TW" altLang="en-US"/>
               <a:t>第三層</a:t>
             </a:r>
           </a:p>
           <a:p>
             <a:pPr lvl="3"/>
             <a:r>
-              <a:rPr lang="zh-TW" altLang="en-US" smtClean="0"/>
+              <a:rPr lang="zh-TW" altLang="en-US"/>
               <a:t>第四層</a:t>
             </a:r>
           </a:p>
           <a:p>
             <a:pPr lvl="4"/>
             <a:r>
-              <a:rPr lang="zh-TW" altLang="en-US" smtClean="0"/>
+              <a:rPr lang="zh-TW" altLang="en-US"/>
               <a:t>第五層</a:t>
             </a:r>
-            <a:endParaRPr lang="zh-TW" altLang="en-US"/>
           </a:p>
         </p:txBody>
       </p:sp>
@@ -3129,7 +3429,7 @@
                   </a:prstClr>
                 </a:solidFill>
               </a:rPr>
-              <a:t>2020/7/9</a:t>
+              <a:t>2021/7/29</a:t>
             </a:fld>
             <a:endParaRPr lang="zh-TW" altLang="en-US">
               <a:solidFill>
@@ -3243,10 +3543,9 @@
           <a:lstStyle/>
           <a:p>
             <a:r>
-              <a:rPr lang="zh-TW" altLang="en-US" smtClean="0"/>
+              <a:rPr lang="zh-TW" altLang="en-US"/>
               <a:t>按一下以編輯母片標題樣式</a:t>
             </a:r>
-            <a:endParaRPr lang="zh-TW" altLang="en-US"/>
           </a:p>
         </p:txBody>
       </p:sp>
@@ -3273,7 +3572,7 @@
                   </a:prstClr>
                 </a:solidFill>
               </a:rPr>
-              <a:t>2020/7/9</a:t>
+              <a:t>2021/7/29</a:t>
             </a:fld>
             <a:endParaRPr lang="zh-TW" altLang="en-US">
               <a:solidFill>
@@ -3394,7 +3693,7 @@
                   </a:prstClr>
                 </a:solidFill>
               </a:rPr>
-              <a:t>2020/7/9</a:t>
+              <a:t>2021/7/29</a:t>
             </a:fld>
             <a:endParaRPr lang="zh-TW" altLang="en-US">
               <a:solidFill>
@@ -3517,10 +3816,9 @@
           </a:lstStyle>
           <a:p>
             <a:r>
-              <a:rPr lang="zh-TW" altLang="en-US" smtClean="0"/>
+              <a:rPr lang="zh-TW" altLang="en-US"/>
               <a:t>按一下以編輯母片標題樣式</a:t>
             </a:r>
-            <a:endParaRPr lang="zh-TW" altLang="en-US"/>
           </a:p>
         </p:txBody>
       </p:sp>
@@ -3574,38 +3872,37 @@
           <a:p>
             <a:pPr lvl="0"/>
             <a:r>
-              <a:rPr lang="zh-TW" altLang="en-US" smtClean="0"/>
+              <a:rPr lang="zh-TW" altLang="en-US"/>
               <a:t>按一下以編輯母片文字樣式</a:t>
             </a:r>
           </a:p>
           <a:p>
             <a:pPr lvl="1"/>
             <a:r>
-              <a:rPr lang="zh-TW" altLang="en-US" smtClean="0"/>
+              <a:rPr lang="zh-TW" altLang="en-US"/>
               <a:t>第二層</a:t>
             </a:r>
           </a:p>
           <a:p>
             <a:pPr lvl="2"/>
             <a:r>
-              <a:rPr lang="zh-TW" altLang="en-US" smtClean="0"/>
+              <a:rPr lang="zh-TW" altLang="en-US"/>
               <a:t>第三層</a:t>
             </a:r>
           </a:p>
           <a:p>
             <a:pPr lvl="3"/>
             <a:r>
-              <a:rPr lang="zh-TW" altLang="en-US" smtClean="0"/>
+              <a:rPr lang="zh-TW" altLang="en-US"/>
               <a:t>第四層</a:t>
             </a:r>
           </a:p>
           <a:p>
             <a:pPr lvl="4"/>
             <a:r>
-              <a:rPr lang="zh-TW" altLang="en-US" smtClean="0"/>
+              <a:rPr lang="zh-TW" altLang="en-US"/>
               <a:t>第五層</a:t>
             </a:r>
-            <a:endParaRPr lang="zh-TW" altLang="en-US"/>
           </a:p>
         </p:txBody>
       </p:sp>
@@ -3668,7 +3965,7 @@
           <a:p>
             <a:pPr lvl="0"/>
             <a:r>
-              <a:rPr lang="zh-TW" altLang="en-US" smtClean="0"/>
+              <a:rPr lang="zh-TW" altLang="en-US"/>
               <a:t>按一下以編輯母片文字樣式</a:t>
             </a:r>
           </a:p>
@@ -3697,7 +3994,7 @@
                   </a:prstClr>
                 </a:solidFill>
               </a:rPr>
-              <a:t>2020/7/9</a:t>
+              <a:t>2021/7/29</a:t>
             </a:fld>
             <a:endParaRPr lang="zh-TW" altLang="en-US">
               <a:solidFill>
@@ -3820,10 +4117,9 @@
           </a:lstStyle>
           <a:p>
             <a:r>
-              <a:rPr lang="zh-TW" altLang="en-US" smtClean="0"/>
+              <a:rPr lang="zh-TW" altLang="en-US"/>
               <a:t>按一下以編輯母片標題樣式</a:t>
             </a:r>
-            <a:endParaRPr lang="zh-TW" altLang="en-US"/>
           </a:p>
         </p:txBody>
       </p:sp>
@@ -3947,7 +4243,7 @@
           <a:p>
             <a:pPr lvl="0"/>
             <a:r>
-              <a:rPr lang="zh-TW" altLang="en-US" smtClean="0"/>
+              <a:rPr lang="zh-TW" altLang="en-US"/>
               <a:t>按一下以編輯母片文字樣式</a:t>
             </a:r>
           </a:p>
@@ -3976,7 +4272,7 @@
                   </a:prstClr>
                 </a:solidFill>
               </a:rPr>
-              <a:t>2020/7/9</a:t>
+              <a:t>2021/7/29</a:t>
             </a:fld>
             <a:endParaRPr lang="zh-TW" altLang="en-US">
               <a:solidFill>
@@ -4114,10 +4410,9 @@
           <a:lstStyle/>
           <a:p>
             <a:r>
-              <a:rPr lang="zh-TW" altLang="en-US" dirty="0" smtClean="0"/>
+              <a:rPr lang="zh-TW" altLang="en-US" dirty="0"/>
               <a:t>按一下以編輯母片標題樣式</a:t>
             </a:r>
-            <a:endParaRPr lang="zh-TW" altLang="en-US" dirty="0"/>
           </a:p>
         </p:txBody>
       </p:sp>
@@ -4148,38 +4443,37 @@
           <a:p>
             <a:pPr lvl="0"/>
             <a:r>
-              <a:rPr lang="zh-TW" altLang="en-US" dirty="0" smtClean="0"/>
+              <a:rPr lang="zh-TW" altLang="en-US" dirty="0"/>
               <a:t>按一下以編輯母片文字樣式</a:t>
             </a:r>
           </a:p>
           <a:p>
             <a:pPr lvl="1"/>
             <a:r>
-              <a:rPr lang="zh-TW" altLang="en-US" dirty="0" smtClean="0"/>
+              <a:rPr lang="zh-TW" altLang="en-US" dirty="0"/>
               <a:t>第二層</a:t>
             </a:r>
           </a:p>
           <a:p>
             <a:pPr lvl="2"/>
             <a:r>
-              <a:rPr lang="zh-TW" altLang="en-US" dirty="0" smtClean="0"/>
+              <a:rPr lang="zh-TW" altLang="en-US" dirty="0"/>
               <a:t>第三層</a:t>
             </a:r>
           </a:p>
           <a:p>
             <a:pPr lvl="3"/>
             <a:r>
-              <a:rPr lang="zh-TW" altLang="en-US" dirty="0" smtClean="0"/>
+              <a:rPr lang="zh-TW" altLang="en-US" dirty="0"/>
               <a:t>第四層</a:t>
             </a:r>
           </a:p>
           <a:p>
             <a:pPr lvl="4"/>
             <a:r>
-              <a:rPr lang="zh-TW" altLang="en-US" dirty="0" smtClean="0"/>
+              <a:rPr lang="zh-TW" altLang="en-US" dirty="0"/>
               <a:t>第五層</a:t>
             </a:r>
-            <a:endParaRPr lang="zh-TW" altLang="en-US" dirty="0"/>
           </a:p>
         </p:txBody>
       </p:sp>
@@ -4227,7 +4521,7 @@
                 </a:solidFill>
               </a:rPr>
               <a:pPr/>
-              <a:t>2020/7/9</a:t>
+              <a:t>2021/7/29</a:t>
             </a:fld>
             <a:endParaRPr lang="zh-TW" altLang="en-US">
               <a:solidFill>
@@ -4331,7 +4625,7 @@
               <a:t>‹#›</a:t>
             </a:fld>
             <a:r>
-              <a:rPr lang="en-US" altLang="zh-TW" dirty="0" smtClean="0">
+              <a:rPr lang="en-US" altLang="zh-TW" dirty="0">
                 <a:solidFill>
                   <a:prstClr val="black">
                     <a:tint val="75000"/>
@@ -4341,7 +4635,7 @@
               <a:t>/</a:t>
             </a:r>
             <a:r>
-              <a:rPr lang="en-US" altLang="zh-TW" b="1" dirty="0" smtClean="0">
+              <a:rPr lang="en-US" altLang="zh-TW" b="1" dirty="0">
                 <a:solidFill>
                   <a:prstClr val="black">
                     <a:tint val="75000"/>
@@ -4350,7 +4644,7 @@
               </a:rPr>
               <a:t>21</a:t>
             </a:r>
-            <a:endParaRPr lang="zh-TW" altLang="en-US" b="1" dirty="0" smtClean="0">
+            <a:endParaRPr lang="zh-TW" altLang="en-US" b="1" dirty="0">
               <a:solidFill>
                 <a:prstClr val="black">
                   <a:tint val="75000"/>
@@ -4376,13 +4670,6 @@
     <p:sldLayoutId id="2147483682" r:id="rId10"/>
     <p:sldLayoutId id="2147483683" r:id="rId11"/>
   </p:sldLayoutIdLst>
-  <p:timing>
-    <p:tnLst>
-      <p:par>
-        <p:cTn id="1" dur="indefinite" restart="never" nodeType="tmRoot"/>
-      </p:par>
-    </p:tnLst>
-  </p:timing>
   <p:hf hdr="0" ftr="0" dt="0"/>
   <p:txStyles>
     <p:titleStyle>
@@ -4760,7 +5047,7 @@
           </a:bodyPr>
           <a:lstStyle/>
           <a:p>
-            <a:endParaRPr lang="en-US" altLang="zh-TW" dirty="0" smtClean="0">
+            <a:endParaRPr lang="en-US" altLang="zh-TW" dirty="0">
               <a:solidFill>
                 <a:schemeClr val="tx1"/>
               </a:solidFill>
@@ -4769,7 +5056,7 @@
             </a:endParaRPr>
           </a:p>
           <a:p>
-            <a:endParaRPr lang="en-US" altLang="zh-TW" dirty="0" smtClean="0">
+            <a:endParaRPr lang="en-US" altLang="zh-TW" dirty="0">
               <a:solidFill>
                 <a:schemeClr val="tx1"/>
               </a:solidFill>
@@ -4778,7 +5065,7 @@
             </a:endParaRPr>
           </a:p>
           <a:p>
-            <a:endParaRPr lang="en-US" altLang="zh-TW" dirty="0" smtClean="0">
+            <a:endParaRPr lang="en-US" altLang="zh-TW" dirty="0">
               <a:solidFill>
                 <a:schemeClr val="tx1"/>
               </a:solidFill>
@@ -4787,7 +5074,7 @@
             </a:endParaRPr>
           </a:p>
           <a:p>
-            <a:endParaRPr lang="en-US" altLang="zh-TW" dirty="0" smtClean="0">
+            <a:endParaRPr lang="en-US" altLang="zh-TW" dirty="0">
               <a:solidFill>
                 <a:schemeClr val="tx1"/>
               </a:solidFill>
@@ -4806,7 +5093,7 @@
               <a:t>Speaker: </a:t>
             </a:r>
             <a:r>
-              <a:rPr lang="en-US" altLang="zh-TW" sz="1800" b="1" dirty="0" smtClean="0">
+              <a:rPr lang="en-US" altLang="zh-TW" sz="1800" b="1" dirty="0">
                 <a:solidFill>
                   <a:schemeClr val="tx1"/>
                 </a:solidFill>
@@ -4814,16 +5101,10 @@
               </a:rPr>
               <a:t>Ting-Wei Chang</a:t>
             </a:r>
-            <a:endParaRPr lang="en-US" altLang="zh-TW" sz="1800" b="1" dirty="0">
-              <a:solidFill>
-                <a:schemeClr val="tx1"/>
-              </a:solidFill>
-              <a:latin typeface="+mj-lt"/>
-            </a:endParaRPr>
-          </a:p>
-          <a:p>
-            <a:r>
-              <a:rPr lang="en-US" altLang="zh-TW" sz="1800" dirty="0" smtClean="0">
+          </a:p>
+          <a:p>
+            <a:r>
+              <a:rPr lang="en-US" altLang="zh-TW" sz="1800" dirty="0">
                 <a:solidFill>
                   <a:schemeClr val="tx1"/>
                 </a:solidFill>
@@ -4833,7 +5114,7 @@
               <a:t>(tony840525@gmail.com</a:t>
             </a:r>
             <a:r>
-              <a:rPr lang="en-US" altLang="zh-TW" sz="1800" dirty="0" smtClean="0">
+              <a:rPr lang="en-US" altLang="zh-TW" sz="1800" dirty="0">
                 <a:solidFill>
                   <a:schemeClr val="tx1"/>
                 </a:solidFill>
@@ -4841,12 +5122,6 @@
               </a:rPr>
               <a:t>)</a:t>
             </a:r>
-            <a:endParaRPr lang="en-US" altLang="zh-TW" sz="1800" dirty="0">
-              <a:solidFill>
-                <a:schemeClr val="tx1"/>
-              </a:solidFill>
-              <a:latin typeface="+mj-lt"/>
-            </a:endParaRPr>
           </a:p>
           <a:p>
             <a:r>
@@ -4924,33 +5199,18 @@
           </a:p>
           <a:p>
             <a:r>
-              <a:rPr lang="en-US" altLang="zh-TW" sz="1800" dirty="0" smtClean="0">
+              <a:rPr lang="en-US" altLang="zh-TW" sz="1800" dirty="0">
                 <a:solidFill>
                   <a:schemeClr val="tx1"/>
                 </a:solidFill>
                 <a:latin typeface="+mj-lt"/>
               </a:rPr>
-              <a:t>Institute </a:t>
-            </a:r>
+              <a:t>Institute of Communications Engineering </a:t>
+            </a:r>
+          </a:p>
+          <a:p>
             <a:r>
               <a:rPr lang="en-US" altLang="zh-TW" sz="1800" dirty="0">
-                <a:solidFill>
-                  <a:schemeClr val="tx1"/>
-                </a:solidFill>
-                <a:latin typeface="+mj-lt"/>
-              </a:rPr>
-              <a:t>of Communications Engineering </a:t>
-            </a:r>
-            <a:endParaRPr lang="en-US" altLang="zh-TW" sz="1800" dirty="0" smtClean="0">
-              <a:solidFill>
-                <a:schemeClr val="tx1"/>
-              </a:solidFill>
-              <a:latin typeface="+mj-lt"/>
-            </a:endParaRPr>
-          </a:p>
-          <a:p>
-            <a:r>
-              <a:rPr lang="en-US" altLang="zh-TW" sz="1800" dirty="0" smtClean="0">
                 <a:solidFill>
                   <a:schemeClr val="tx1"/>
                 </a:solidFill>
@@ -4988,7 +5248,7 @@
           </a:p>
           <a:p>
             <a:r>
-              <a:rPr lang="en-US" altLang="zh-TW" sz="1800" dirty="0" smtClean="0">
+              <a:rPr lang="en-US" altLang="zh-TW" sz="1800" dirty="0">
                 <a:solidFill>
                   <a:schemeClr val="tx1"/>
                 </a:solidFill>
@@ -5046,13 +5306,6 @@
   <p:clrMapOvr>
     <a:masterClrMapping/>
   </p:clrMapOvr>
-  <p:timing>
-    <p:tnLst>
-      <p:par>
-        <p:cTn id="1" dur="indefinite" restart="never" nodeType="tmRoot"/>
-      </p:par>
-    </p:tnLst>
-  </p:timing>
 </p:sld>
 </file>
 
@@ -5061,7 +5314,7 @@
   <p:cSld>
     <p:spTree>
       <p:nvGrpSpPr>
-        <p:cNvPr id="1" name=""/>
+        <p:cNvPr id="1" name="Shape 88"/>
         <p:cNvGrpSpPr/>
         <p:nvPr/>
       </p:nvGrpSpPr>
@@ -5075,250 +5328,560 @@
       </p:grpSpPr>
       <p:sp>
         <p:nvSpPr>
-          <p:cNvPr id="2" name="標題 1"/>
-          <p:cNvSpPr>
-            <a:spLocks noGrp="1"/>
-          </p:cNvSpPr>
-          <p:nvPr>
-            <p:ph type="title"/>
-          </p:nvPr>
-        </p:nvSpPr>
-        <p:spPr/>
-        <p:txBody>
-          <a:bodyPr/>
-          <a:lstStyle/>
-          <a:p>
-            <a:pPr algn="ctr"/>
-            <a:r>
-              <a:rPr lang="en-US" altLang="zh-TW" sz="3200" b="1" dirty="0">
-                <a:solidFill>
-                  <a:srgbClr val="00279F"/>
-                </a:solidFill>
-                <a:effectLst/>
-                <a:latin typeface="Times New Roman" panose="02020603050405020304" pitchFamily="18" charset="0"/>
-                <a:cs typeface="Times New Roman" panose="02020603050405020304" pitchFamily="18" charset="0"/>
-              </a:rPr>
-              <a:t>Outline</a:t>
-            </a:r>
-            <a:endParaRPr lang="zh-TW" altLang="en-US" sz="3200" b="1" dirty="0">
-              <a:solidFill>
-                <a:srgbClr val="00279F"/>
-              </a:solidFill>
-              <a:effectLst/>
-              <a:latin typeface="Times New Roman" panose="02020603050405020304" pitchFamily="18" charset="0"/>
-              <a:cs typeface="Times New Roman" panose="02020603050405020304" pitchFamily="18" charset="0"/>
-            </a:endParaRPr>
-          </a:p>
-        </p:txBody>
-      </p:sp>
-      <p:sp>
-        <p:nvSpPr>
-          <p:cNvPr id="3" name="內容版面配置區 2"/>
-          <p:cNvSpPr>
-            <a:spLocks noGrp="1"/>
-          </p:cNvSpPr>
-          <p:nvPr>
-            <p:ph idx="1"/>
-          </p:nvPr>
-        </p:nvSpPr>
-        <p:spPr/>
-        <p:txBody>
-          <a:bodyPr>
+          <p:cNvPr id="89" name="Google Shape;89;p1"/>
+          <p:cNvSpPr txBox="1">
+            <a:spLocks noGrp="1"/>
+          </p:cNvSpPr>
+          <p:nvPr>
+            <p:ph type="ctrTitle"/>
+          </p:nvPr>
+        </p:nvSpPr>
+        <p:spPr>
+          <a:xfrm>
+            <a:off x="0" y="1484784"/>
+            <a:ext cx="9144000" cy="1470025"/>
+          </a:xfrm>
+          <a:prstGeom prst="rect">
+            <a:avLst/>
+          </a:prstGeom>
+          <a:noFill/>
+          <a:ln>
+            <a:noFill/>
+          </a:ln>
+        </p:spPr>
+        <p:txBody>
+          <a:bodyPr spcFirstLastPara="1" wrap="square" lIns="91425" tIns="45700" rIns="91425" bIns="45700" anchor="ctr" anchorCtr="0">
             <a:noAutofit/>
           </a:bodyPr>
           <a:lstStyle/>
           <a:p>
-            <a:r>
-              <a:rPr lang="en-US" altLang="zh-TW" sz="2000" dirty="0" smtClean="0"/>
-              <a:t>Introduction</a:t>
-            </a:r>
-          </a:p>
-          <a:p>
-            <a:r>
-              <a:rPr lang="en-US" altLang="zh-TW" sz="2000" dirty="0"/>
-              <a:t>System </a:t>
-            </a:r>
-            <a:r>
-              <a:rPr lang="en-US" altLang="zh-TW" sz="2000" dirty="0" smtClean="0"/>
-              <a:t>Model</a:t>
-            </a:r>
-          </a:p>
-          <a:p>
-            <a:pPr lvl="1"/>
-            <a:r>
-              <a:rPr lang="en-US" altLang="zh-TW" sz="1800" dirty="0">
+            <a:pPr marL="0" lvl="0" indent="0" algn="ctr" rtl="0">
+              <a:spcBef>
+                <a:spcPts val="0"/>
+              </a:spcBef>
+              <a:spcAft>
+                <a:spcPts val="0"/>
+              </a:spcAft>
+              <a:buClr>
+                <a:srgbClr val="00279F"/>
+              </a:buClr>
+              <a:buSzPts val="2800"/>
+              <a:buFont typeface="Times New Roman"/>
+              <a:buNone/>
+            </a:pPr>
+            <a:r>
+              <a:rPr lang="en-US" b="1">
                 <a:solidFill>
                   <a:srgbClr val="00279F"/>
                 </a:solidFill>
+                <a:latin typeface="Times New Roman"/>
+                <a:ea typeface="Times New Roman"/>
+                <a:cs typeface="Times New Roman"/>
+                <a:sym typeface="Times New Roman"/>
+              </a:rPr>
+              <a:t>IEEE 802.11be Extremely High Throughput:</a:t>
+            </a:r>
+            <a:br>
+              <a:rPr lang="en-US" b="1">
+                <a:solidFill>
+                  <a:srgbClr val="00279F"/>
+                </a:solidFill>
+                <a:latin typeface="Times New Roman"/>
+                <a:ea typeface="Times New Roman"/>
+                <a:cs typeface="Times New Roman"/>
+                <a:sym typeface="Times New Roman"/>
+              </a:rPr>
+            </a:br>
+            <a:r>
+              <a:rPr lang="en-US" b="1">
+                <a:solidFill>
+                  <a:srgbClr val="00279F"/>
+                </a:solidFill>
+                <a:latin typeface="Times New Roman"/>
+                <a:ea typeface="Times New Roman"/>
+                <a:cs typeface="Times New Roman"/>
+                <a:sym typeface="Times New Roman"/>
+              </a:rPr>
+              <a:t>The Next Generation of Wi-Fi Technology</a:t>
+            </a:r>
+            <a:br>
+              <a:rPr lang="en-US" b="1">
+                <a:solidFill>
+                  <a:srgbClr val="00279F"/>
+                </a:solidFill>
+                <a:latin typeface="Times New Roman"/>
+                <a:ea typeface="Times New Roman"/>
+                <a:cs typeface="Times New Roman"/>
+                <a:sym typeface="Times New Roman"/>
+              </a:rPr>
+            </a:br>
+            <a:r>
+              <a:rPr lang="en-US" b="1">
+                <a:solidFill>
+                  <a:srgbClr val="00279F"/>
+                </a:solidFill>
+                <a:latin typeface="Times New Roman"/>
+                <a:ea typeface="Times New Roman"/>
+                <a:cs typeface="Times New Roman"/>
+                <a:sym typeface="Times New Roman"/>
+              </a:rPr>
+              <a:t>Beyond 802.11ax</a:t>
+            </a:r>
+            <a:endParaRPr/>
+          </a:p>
+        </p:txBody>
+      </p:sp>
+      <p:sp>
+        <p:nvSpPr>
+          <p:cNvPr id="90" name="Google Shape;90;p1"/>
+          <p:cNvSpPr txBox="1">
+            <a:spLocks noGrp="1"/>
+          </p:cNvSpPr>
+          <p:nvPr>
+            <p:ph type="subTitle" idx="1"/>
+          </p:nvPr>
+        </p:nvSpPr>
+        <p:spPr>
+          <a:xfrm>
+            <a:off x="688147" y="2611934"/>
+            <a:ext cx="7767705" cy="3744416"/>
+          </a:xfrm>
+          <a:prstGeom prst="rect">
+            <a:avLst/>
+          </a:prstGeom>
+          <a:noFill/>
+          <a:ln>
+            <a:noFill/>
+          </a:ln>
+        </p:spPr>
+        <p:txBody>
+          <a:bodyPr spcFirstLastPara="1" wrap="square" lIns="91425" tIns="45700" rIns="91425" bIns="45700" anchor="t" anchorCtr="0">
+            <a:noAutofit/>
+          </a:bodyPr>
+          <a:lstStyle/>
+          <a:p>
+            <a:pPr marL="0" lvl="0" indent="0" algn="ctr" rtl="0">
+              <a:spcBef>
+                <a:spcPts val="0"/>
+              </a:spcBef>
+              <a:spcAft>
+                <a:spcPts val="0"/>
+              </a:spcAft>
+              <a:buClr>
+                <a:srgbClr val="888888"/>
+              </a:buClr>
+              <a:buSzPts val="1600"/>
+              <a:buNone/>
+            </a:pPr>
+            <a:endParaRPr dirty="0">
+              <a:solidFill>
+                <a:schemeClr val="dk1"/>
+              </a:solidFill>
+              <a:latin typeface="Times New Roman"/>
+              <a:ea typeface="Times New Roman"/>
+              <a:cs typeface="Times New Roman"/>
+              <a:sym typeface="Times New Roman"/>
+            </a:endParaRPr>
+          </a:p>
+          <a:p>
+            <a:pPr marL="0" lvl="0" indent="0" algn="ctr" rtl="0">
+              <a:spcBef>
+                <a:spcPts val="320"/>
+              </a:spcBef>
+              <a:spcAft>
+                <a:spcPts val="0"/>
+              </a:spcAft>
+              <a:buClr>
+                <a:srgbClr val="888888"/>
+              </a:buClr>
+              <a:buSzPts val="1600"/>
+              <a:buNone/>
+            </a:pPr>
+            <a:endParaRPr dirty="0">
+              <a:solidFill>
+                <a:schemeClr val="dk1"/>
+              </a:solidFill>
+              <a:latin typeface="Times New Roman"/>
+              <a:ea typeface="Times New Roman"/>
+              <a:cs typeface="Times New Roman"/>
+              <a:sym typeface="Times New Roman"/>
+            </a:endParaRPr>
+          </a:p>
+          <a:p>
+            <a:pPr marL="0" lvl="0" indent="0" algn="ctr" rtl="0">
+              <a:spcBef>
+                <a:spcPts val="320"/>
+              </a:spcBef>
+              <a:spcAft>
+                <a:spcPts val="0"/>
+              </a:spcAft>
+              <a:buClr>
+                <a:srgbClr val="888888"/>
+              </a:buClr>
+              <a:buSzPts val="1600"/>
+              <a:buNone/>
+            </a:pPr>
+            <a:endParaRPr dirty="0">
+              <a:solidFill>
+                <a:schemeClr val="dk1"/>
+              </a:solidFill>
+              <a:latin typeface="Times New Roman"/>
+              <a:ea typeface="Times New Roman"/>
+              <a:cs typeface="Times New Roman"/>
+              <a:sym typeface="Times New Roman"/>
+            </a:endParaRPr>
+          </a:p>
+          <a:p>
+            <a:pPr marL="0" lvl="0" indent="0" algn="ctr" rtl="0">
+              <a:spcBef>
+                <a:spcPts val="320"/>
+              </a:spcBef>
+              <a:spcAft>
+                <a:spcPts val="0"/>
+              </a:spcAft>
+              <a:buClr>
+                <a:srgbClr val="888888"/>
+              </a:buClr>
+              <a:buSzPts val="1600"/>
+              <a:buNone/>
+            </a:pPr>
+            <a:endParaRPr dirty="0">
+              <a:solidFill>
+                <a:schemeClr val="dk1"/>
+              </a:solidFill>
+              <a:latin typeface="Times New Roman"/>
+              <a:ea typeface="Times New Roman"/>
+              <a:cs typeface="Times New Roman"/>
+              <a:sym typeface="Times New Roman"/>
+            </a:endParaRPr>
+          </a:p>
+          <a:p>
+            <a:pPr marL="0" lvl="0" indent="0" algn="ctr" rtl="0">
+              <a:spcBef>
+                <a:spcPts val="360"/>
+              </a:spcBef>
+              <a:spcAft>
+                <a:spcPts val="0"/>
+              </a:spcAft>
+              <a:buClr>
+                <a:schemeClr val="dk1"/>
+              </a:buClr>
+              <a:buSzPts val="1800"/>
+              <a:buNone/>
+            </a:pPr>
+            <a:r>
+              <a:rPr lang="en-US" sz="1800" dirty="0">
+                <a:solidFill>
+                  <a:schemeClr val="dk1"/>
+                </a:solidFill>
+                <a:latin typeface="Times New Roman"/>
+                <a:ea typeface="Times New Roman"/>
+                <a:cs typeface="Times New Roman"/>
+                <a:sym typeface="Times New Roman"/>
+              </a:rPr>
+              <a:t>Speaker: </a:t>
+            </a:r>
+            <a:r>
+              <a:rPr lang="en-US" sz="1800" b="1" dirty="0">
+                <a:solidFill>
+                  <a:schemeClr val="dk1"/>
+                </a:solidFill>
+                <a:latin typeface="Times New Roman"/>
+                <a:ea typeface="Times New Roman"/>
+                <a:cs typeface="Times New Roman"/>
+                <a:sym typeface="Times New Roman"/>
+              </a:rPr>
+              <a:t>Sheng-Han Chung</a:t>
+            </a:r>
+            <a:endParaRPr dirty="0"/>
+          </a:p>
+          <a:p>
+            <a:pPr marL="0" lvl="0" indent="0" algn="ctr" rtl="0">
+              <a:spcBef>
+                <a:spcPts val="360"/>
+              </a:spcBef>
+              <a:spcAft>
+                <a:spcPts val="0"/>
+              </a:spcAft>
+              <a:buClr>
+                <a:schemeClr val="dk1"/>
+              </a:buClr>
+              <a:buSzPts val="1800"/>
+              <a:buNone/>
+            </a:pPr>
+            <a:r>
+              <a:rPr lang="en-US" sz="1800" dirty="0">
+                <a:solidFill>
+                  <a:schemeClr val="dk1"/>
+                </a:solidFill>
+                <a:latin typeface="Times New Roman"/>
+                <a:ea typeface="Times New Roman"/>
+                <a:cs typeface="Times New Roman"/>
+                <a:sym typeface="Times New Roman"/>
+              </a:rPr>
+              <a:t>Advisor: </a:t>
+            </a:r>
+            <a:r>
+              <a:rPr lang="en-US" sz="1800" b="1" dirty="0">
+                <a:solidFill>
+                  <a:schemeClr val="dk1"/>
+                </a:solidFill>
+                <a:latin typeface="Times New Roman"/>
+                <a:ea typeface="Times New Roman"/>
+                <a:cs typeface="Times New Roman"/>
+                <a:sym typeface="Times New Roman"/>
+              </a:rPr>
+              <a:t>Kai-Ten Feng, </a:t>
+            </a:r>
+            <a:r>
+              <a:rPr lang="en-US" sz="1800" b="1" dirty="0" err="1">
+                <a:solidFill>
+                  <a:schemeClr val="dk1"/>
+                </a:solidFill>
+                <a:latin typeface="Times New Roman"/>
+                <a:ea typeface="Times New Roman"/>
+                <a:cs typeface="Times New Roman"/>
+                <a:sym typeface="Times New Roman"/>
+              </a:rPr>
+              <a:t>Ph.D</a:t>
+            </a:r>
+            <a:r>
+              <a:rPr lang="en-US" sz="1800" b="1" dirty="0">
+                <a:solidFill>
+                  <a:schemeClr val="dk1"/>
+                </a:solidFill>
+                <a:latin typeface="Times New Roman"/>
+                <a:ea typeface="Times New Roman"/>
+                <a:cs typeface="Times New Roman"/>
+                <a:sym typeface="Times New Roman"/>
+              </a:rPr>
+              <a:t>, Professor </a:t>
+            </a:r>
+            <a:endParaRPr sz="1800" b="1" dirty="0">
+              <a:solidFill>
+                <a:schemeClr val="dk1"/>
+              </a:solidFill>
+              <a:latin typeface="Times New Roman"/>
+              <a:ea typeface="Times New Roman"/>
+              <a:cs typeface="Times New Roman"/>
+              <a:sym typeface="Times New Roman"/>
+            </a:endParaRPr>
+          </a:p>
+          <a:p>
+            <a:pPr marL="0" lvl="0" indent="0" algn="ctr" rtl="0">
+              <a:spcBef>
+                <a:spcPts val="360"/>
+              </a:spcBef>
+              <a:spcAft>
+                <a:spcPts val="0"/>
+              </a:spcAft>
+              <a:buClr>
+                <a:schemeClr val="dk1"/>
+              </a:buClr>
+              <a:buSzPts val="1800"/>
+              <a:buNone/>
+            </a:pPr>
+            <a:r>
+              <a:rPr lang="en-US" sz="1800" dirty="0">
+                <a:solidFill>
+                  <a:schemeClr val="dk1"/>
+                </a:solidFill>
+                <a:latin typeface="Times New Roman"/>
+                <a:ea typeface="Times New Roman"/>
+                <a:cs typeface="Times New Roman"/>
+                <a:sym typeface="Times New Roman"/>
+              </a:rPr>
+              <a:t> </a:t>
+            </a:r>
+            <a:endParaRPr dirty="0"/>
+          </a:p>
+          <a:p>
+            <a:pPr algn="ctr" rtl="0">
+              <a:spcBef>
+                <a:spcPts val="360"/>
+              </a:spcBef>
+              <a:spcAft>
+                <a:spcPts val="0"/>
+              </a:spcAft>
+            </a:pPr>
+            <a:r>
+              <a:rPr lang="en-US" altLang="zh-TW" sz="1800" b="0" i="0" u="none" strike="noStrike" dirty="0">
+                <a:solidFill>
+                  <a:srgbClr val="000000"/>
+                </a:solidFill>
+                <a:effectLst/>
                 <a:latin typeface="Times New Roman" panose="02020603050405020304" pitchFamily="18" charset="0"/>
-                <a:cs typeface="Times New Roman" panose="02020603050405020304" pitchFamily="18" charset="0"/>
-              </a:rPr>
-              <a:t>IEEE 802.11ad/ay Beam Training Frame </a:t>
-            </a:r>
-            <a:r>
-              <a:rPr lang="en-US" altLang="zh-TW" sz="1800" dirty="0" smtClean="0">
-                <a:solidFill>
-                  <a:srgbClr val="00279F"/>
-                </a:solidFill>
+              </a:rPr>
+              <a:t>Institute of Communications Engineering </a:t>
+            </a:r>
+            <a:endParaRPr lang="en-US" altLang="zh-TW" sz="2000" dirty="0">
+              <a:effectLst/>
+            </a:endParaRPr>
+          </a:p>
+          <a:p>
+            <a:pPr algn="ctr" rtl="0">
+              <a:spcBef>
+                <a:spcPts val="360"/>
+              </a:spcBef>
+              <a:spcAft>
+                <a:spcPts val="0"/>
+              </a:spcAft>
+            </a:pPr>
+            <a:r>
+              <a:rPr lang="en-US" altLang="zh-TW" sz="2000" dirty="0">
+                <a:solidFill>
+                  <a:schemeClr val="tx1"/>
+                </a:solidFill>
+              </a:rPr>
+              <a:t>National Yang Ming Chiao Tung University </a:t>
+            </a:r>
+            <a:r>
+              <a:rPr lang="en-US" altLang="zh-TW" sz="1800" b="0" i="0" u="none" strike="noStrike" dirty="0">
+                <a:solidFill>
+                  <a:srgbClr val="000000"/>
+                </a:solidFill>
+                <a:effectLst/>
                 <a:latin typeface="Times New Roman" panose="02020603050405020304" pitchFamily="18" charset="0"/>
-                <a:cs typeface="Times New Roman" panose="02020603050405020304" pitchFamily="18" charset="0"/>
-              </a:rPr>
-              <a:t>Structure</a:t>
-            </a:r>
-          </a:p>
-          <a:p>
-            <a:pPr lvl="1"/>
-            <a:r>
-              <a:rPr lang="en-US" altLang="zh-TW" sz="1800" dirty="0" smtClean="0">
-                <a:solidFill>
-                  <a:srgbClr val="00279F"/>
-                </a:solidFill>
-              </a:rPr>
-              <a:t>Problem Formulation </a:t>
-            </a:r>
-          </a:p>
-          <a:p>
-            <a:r>
-              <a:rPr lang="en-US" altLang="zh-TW" sz="2000" dirty="0" smtClean="0"/>
-              <a:t>Learning-based Adjustable Beam Number Training (LABNT) Algorithm</a:t>
-            </a:r>
-          </a:p>
-          <a:p>
-            <a:pPr lvl="1"/>
-            <a:r>
-              <a:rPr lang="en-US" altLang="zh-TW" sz="1800" dirty="0" smtClean="0">
-                <a:solidFill>
-                  <a:srgbClr val="00279F"/>
-                </a:solidFill>
-              </a:rPr>
-              <a:t>Supervised Learning Modeling</a:t>
-            </a:r>
-            <a:endParaRPr lang="en-US" altLang="zh-TW" sz="1800" dirty="0">
+              </a:rPr>
+              <a:t>(NYCU) Hsinchu, Taiwan</a:t>
+            </a:r>
+            <a:endParaRPr lang="en-US" altLang="zh-TW" sz="2000" dirty="0">
+              <a:effectLst/>
+            </a:endParaRPr>
+          </a:p>
+          <a:p>
+            <a:pPr marL="0" lvl="0" indent="0" algn="ctr" rtl="0">
+              <a:spcBef>
+                <a:spcPts val="360"/>
+              </a:spcBef>
+              <a:spcAft>
+                <a:spcPts val="0"/>
+              </a:spcAft>
+              <a:buClr>
+                <a:srgbClr val="888888"/>
+              </a:buClr>
+              <a:buSzPts val="1800"/>
+              <a:buNone/>
+            </a:pPr>
+            <a:endParaRPr sz="1800" dirty="0">
               <a:solidFill>
-                <a:srgbClr val="00279F"/>
+                <a:schemeClr val="dk1"/>
+              </a:solidFill>
+              <a:latin typeface="Times New Roman"/>
+              <a:ea typeface="Times New Roman"/>
+              <a:cs typeface="Times New Roman"/>
+              <a:sym typeface="Times New Roman"/>
+            </a:endParaRPr>
+          </a:p>
+          <a:p>
+            <a:pPr marL="0" lvl="0" indent="0" algn="ctr" rtl="0">
+              <a:spcBef>
+                <a:spcPts val="360"/>
+              </a:spcBef>
+              <a:spcAft>
+                <a:spcPts val="0"/>
+              </a:spcAft>
+              <a:buClr>
+                <a:schemeClr val="dk1"/>
+              </a:buClr>
+              <a:buSzPts val="1800"/>
+              <a:buNone/>
+            </a:pPr>
+            <a:r>
+              <a:rPr lang="en-US" sz="1800" dirty="0">
+                <a:solidFill>
+                  <a:schemeClr val="dk1"/>
+                </a:solidFill>
+                <a:latin typeface="Times New Roman"/>
+                <a:ea typeface="Times New Roman"/>
+                <a:cs typeface="Times New Roman"/>
+                <a:sym typeface="Times New Roman"/>
+              </a:rPr>
+              <a:t>July 1</a:t>
+            </a:r>
+            <a:r>
+              <a:rPr lang="en-US" sz="1800" dirty="0">
+                <a:solidFill>
+                  <a:schemeClr val="dk1"/>
+                </a:solidFill>
+              </a:rPr>
+              <a:t>9</a:t>
+            </a:r>
+            <a:r>
+              <a:rPr lang="en-US" sz="1800" dirty="0">
+                <a:solidFill>
+                  <a:schemeClr val="dk1"/>
+                </a:solidFill>
+                <a:latin typeface="Times New Roman"/>
+                <a:ea typeface="Times New Roman"/>
+                <a:cs typeface="Times New Roman"/>
+                <a:sym typeface="Times New Roman"/>
+              </a:rPr>
+              <a:t>th, 2021</a:t>
+            </a:r>
+            <a:endParaRPr dirty="0"/>
+          </a:p>
+        </p:txBody>
+      </p:sp>
+      <p:sp>
+        <p:nvSpPr>
+          <p:cNvPr id="91" name="Google Shape;91;p1"/>
+          <p:cNvSpPr txBox="1">
+            <a:spLocks noGrp="1"/>
+          </p:cNvSpPr>
+          <p:nvPr>
+            <p:ph type="sldNum" idx="12"/>
+          </p:nvPr>
+        </p:nvSpPr>
+        <p:spPr>
+          <a:xfrm>
+            <a:off x="6553200" y="6356350"/>
+            <a:ext cx="2411288" cy="365125"/>
+          </a:xfrm>
+          <a:prstGeom prst="rect">
+            <a:avLst/>
+          </a:prstGeom>
+          <a:noFill/>
+          <a:ln>
+            <a:noFill/>
+          </a:ln>
+        </p:spPr>
+        <p:txBody>
+          <a:bodyPr spcFirstLastPara="1" wrap="square" lIns="91425" tIns="45700" rIns="91425" bIns="45700" anchor="ctr" anchorCtr="0">
+            <a:noAutofit/>
+          </a:bodyPr>
+          <a:lstStyle/>
+          <a:p>
+            <a:pPr marL="0" lvl="0" indent="0" algn="r" rtl="0">
+              <a:spcBef>
+                <a:spcPts val="0"/>
+              </a:spcBef>
+              <a:spcAft>
+                <a:spcPts val="0"/>
+              </a:spcAft>
+              <a:buNone/>
+            </a:pPr>
+            <a:fld id="{00000000-1234-1234-1234-123412341234}" type="slidenum">
+              <a:rPr lang="en-US">
+                <a:solidFill>
+                  <a:srgbClr val="888888"/>
+                </a:solidFill>
+              </a:rPr>
+              <a:t>2</a:t>
+            </a:fld>
+            <a:endParaRPr>
+              <a:solidFill>
+                <a:srgbClr val="888888"/>
               </a:solidFill>
             </a:endParaRPr>
           </a:p>
-          <a:p>
-            <a:pPr lvl="1"/>
-            <a:r>
-              <a:rPr lang="en-US" altLang="zh-TW" sz="1800" dirty="0" smtClean="0">
-                <a:solidFill>
-                  <a:srgbClr val="00279F"/>
-                </a:solidFill>
-              </a:rPr>
-              <a:t>Uniformly </a:t>
-            </a:r>
-            <a:r>
-              <a:rPr lang="en-US" altLang="zh-TW" sz="1800" dirty="0">
-                <a:solidFill>
-                  <a:srgbClr val="00279F"/>
-                </a:solidFill>
-              </a:rPr>
-              <a:t>Distributed Mutual Information (UDMI) Method</a:t>
-            </a:r>
-          </a:p>
-          <a:p>
-            <a:pPr lvl="1"/>
-            <a:r>
-              <a:rPr lang="en-US" altLang="zh-TW" sz="1800" dirty="0" smtClean="0">
-                <a:solidFill>
-                  <a:srgbClr val="00279F"/>
-                </a:solidFill>
-              </a:rPr>
-              <a:t>Reinforcement Learning-based Beam Number Decision</a:t>
-            </a:r>
-            <a:endParaRPr lang="en-US" altLang="zh-TW" sz="1800" dirty="0">
-              <a:solidFill>
-                <a:srgbClr val="00279F"/>
-              </a:solidFill>
-            </a:endParaRPr>
-          </a:p>
-          <a:p>
-            <a:r>
-              <a:rPr lang="en-US" altLang="zh-TW" sz="2000" dirty="0" smtClean="0"/>
-              <a:t>Simulation Results</a:t>
-            </a:r>
-            <a:endParaRPr lang="en-US" altLang="zh-TW" sz="2000" dirty="0"/>
-          </a:p>
-          <a:p>
-            <a:r>
-              <a:rPr lang="en-US" altLang="zh-TW" sz="2000" dirty="0"/>
-              <a:t>Experimental Results</a:t>
-            </a:r>
-          </a:p>
-          <a:p>
-            <a:r>
-              <a:rPr lang="en-US" altLang="zh-TW" sz="2000" dirty="0" smtClean="0"/>
-              <a:t>Conclusions</a:t>
-            </a:r>
-            <a:endParaRPr lang="en-US" altLang="zh-TW" sz="2000" dirty="0"/>
-          </a:p>
-          <a:p>
-            <a:r>
-              <a:rPr lang="en-US" altLang="zh-TW" sz="2000" dirty="0" smtClean="0"/>
-              <a:t>References</a:t>
-            </a:r>
-            <a:endParaRPr lang="zh-TW" altLang="en-US" sz="2000" dirty="0"/>
-          </a:p>
-          <a:p>
-            <a:endParaRPr lang="en-US" altLang="zh-TW" sz="2000" dirty="0" smtClean="0"/>
-          </a:p>
-        </p:txBody>
-      </p:sp>
-      <p:sp>
-        <p:nvSpPr>
-          <p:cNvPr id="4" name="投影片編號版面配置區 3"/>
-          <p:cNvSpPr>
-            <a:spLocks noGrp="1"/>
-          </p:cNvSpPr>
-          <p:nvPr>
-            <p:ph type="sldNum" sz="quarter" idx="12"/>
-          </p:nvPr>
-        </p:nvSpPr>
-        <p:spPr/>
-        <p:txBody>
-          <a:bodyPr/>
-          <a:lstStyle/>
-          <a:p>
-            <a:fld id="{AD64A819-E283-42A6-A57A-C7F0A2F18E80}" type="slidenum">
-              <a:rPr lang="zh-TW" altLang="en-US" smtClean="0">
-                <a:solidFill>
-                  <a:prstClr val="black">
-                    <a:tint val="75000"/>
-                  </a:prstClr>
-                </a:solidFill>
-              </a:rPr>
-              <a:pPr/>
-              <a:t>2</a:t>
-            </a:fld>
-            <a:endParaRPr lang="zh-TW" altLang="en-US" dirty="0">
-              <a:solidFill>
-                <a:prstClr val="black">
-                  <a:tint val="75000"/>
-                </a:prstClr>
-              </a:solidFill>
-            </a:endParaRPr>
-          </a:p>
         </p:txBody>
       </p:sp>
     </p:spTree>
-    <p:extLst>
-      <p:ext uri="{BB962C8B-B14F-4D97-AF65-F5344CB8AC3E}">
-        <p14:creationId xmlns:p14="http://schemas.microsoft.com/office/powerpoint/2010/main" val="536679316"/>
-      </p:ext>
-    </p:extLst>
   </p:cSld>
   <p:clrMapOvr>
     <a:masterClrMapping/>
   </p:clrMapOvr>
-  <p:timing>
-    <p:tnLst>
-      <p:par>
-        <p:cTn id="1" dur="indefinite" restart="never" nodeType="tmRoot"/>
-      </p:par>
-    </p:tnLst>
-  </p:timing>
 </p:sld>
 </file>
 
@@ -5395,30 +5958,14 @@
           <a:lstStyle/>
           <a:p>
             <a:r>
-              <a:rPr lang="en-US" altLang="zh-TW" sz="2000" dirty="0" smtClean="0"/>
+              <a:rPr lang="en-US" altLang="zh-TW" sz="2000" dirty="0"/>
               <a:t>Introduction</a:t>
             </a:r>
           </a:p>
           <a:p>
             <a:r>
-              <a:rPr lang="en-US" altLang="zh-TW" sz="2000" dirty="0">
-                <a:solidFill>
-                  <a:schemeClr val="bg1">
-                    <a:lumMod val="85000"/>
-                  </a:schemeClr>
-                </a:solidFill>
-              </a:rPr>
-              <a:t>System </a:t>
-            </a:r>
-            <a:r>
-              <a:rPr lang="en-US" altLang="zh-TW" sz="2000" dirty="0" smtClean="0">
-                <a:solidFill>
-                  <a:schemeClr val="bg1">
-                    <a:lumMod val="85000"/>
-                  </a:schemeClr>
-                </a:solidFill>
-              </a:rPr>
-              <a:t>Model</a:t>
+              <a:rPr lang="en-US" altLang="zh-TW" sz="2000" dirty="0"/>
+              <a:t>System Model</a:t>
             </a:r>
           </a:p>
           <a:p>
@@ -5426,26 +5973,12 @@
             <a:r>
               <a:rPr lang="en-US" altLang="zh-TW" sz="1800" dirty="0">
                 <a:solidFill>
-                  <a:schemeClr val="bg1">
-                    <a:lumMod val="85000"/>
-                  </a:schemeClr>
+                  <a:srgbClr val="00279F"/>
                 </a:solidFill>
                 <a:latin typeface="Times New Roman" panose="02020603050405020304" pitchFamily="18" charset="0"/>
                 <a:cs typeface="Times New Roman" panose="02020603050405020304" pitchFamily="18" charset="0"/>
               </a:rPr>
-              <a:t>IEEE 802.11ad/ay Beam Training Frame </a:t>
-            </a:r>
-            <a:r>
-              <a:rPr lang="en-US" altLang="zh-TW" sz="1800" dirty="0" smtClean="0">
-                <a:solidFill>
-                  <a:schemeClr val="bg1">
-                    <a:lumMod val="85000"/>
-                  </a:schemeClr>
-                </a:solidFill>
-                <a:latin typeface="Times New Roman" panose="02020603050405020304" pitchFamily="18" charset="0"/>
-                <a:cs typeface="Times New Roman" panose="02020603050405020304" pitchFamily="18" charset="0"/>
-              </a:rPr>
-              <a:t>Structure</a:t>
+              <a:t>IEEE 802.11ad/ay Beam Training Frame Structure</a:t>
             </a:r>
           </a:p>
           <a:p>
@@ -5453,48 +5986,24 @@
             <a:r>
               <a:rPr lang="en-US" altLang="zh-TW" sz="1800" dirty="0">
                 <a:solidFill>
-                  <a:schemeClr val="bg1">
-                    <a:lumMod val="85000"/>
-                  </a:schemeClr>
+                  <a:srgbClr val="00279F"/>
                 </a:solidFill>
               </a:rPr>
               <a:t>Problem Formulation </a:t>
             </a:r>
-            <a:endParaRPr lang="en-US" altLang="zh-TW" sz="1800" dirty="0" smtClean="0">
-              <a:solidFill>
-                <a:schemeClr val="bg1">
-                  <a:lumMod val="85000"/>
-                </a:schemeClr>
-              </a:solidFill>
-            </a:endParaRPr>
-          </a:p>
-          <a:p>
-            <a:r>
-              <a:rPr lang="en-US" altLang="zh-TW" sz="2000" dirty="0">
-                <a:solidFill>
-                  <a:schemeClr val="bg1">
-                    <a:lumMod val="85000"/>
-                  </a:schemeClr>
-                </a:solidFill>
-              </a:rPr>
+          </a:p>
+          <a:p>
+            <a:r>
+              <a:rPr lang="en-US" altLang="zh-TW" sz="2000" dirty="0"/>
               <a:t>Learning-based Adjustable Beam Number Training (LABNT) Algorithm</a:t>
             </a:r>
-            <a:endParaRPr lang="en-US" altLang="zh-TW" sz="2000" dirty="0" smtClean="0">
-              <a:solidFill>
-                <a:schemeClr val="bg1">
-                  <a:lumMod val="85000"/>
-                </a:schemeClr>
-              </a:solidFill>
-            </a:endParaRPr>
           </a:p>
           <a:p>
             <a:pPr lvl="1"/>
             <a:r>
               <a:rPr lang="en-US" altLang="zh-TW" sz="1800" dirty="0">
                 <a:solidFill>
-                  <a:schemeClr val="bg1">
-                    <a:lumMod val="85000"/>
-                  </a:schemeClr>
+                  <a:srgbClr val="00279F"/>
                 </a:solidFill>
               </a:rPr>
               <a:t>Supervised Learning Modeling</a:t>
@@ -5505,9 +6014,7 @@
             <a:r>
               <a:rPr lang="en-US" altLang="zh-TW" sz="1800" dirty="0">
                 <a:solidFill>
-                  <a:schemeClr val="bg1">
-                    <a:lumMod val="85000"/>
-                  </a:schemeClr>
+                  <a:srgbClr val="00279F"/>
                 </a:solidFill>
               </a:rPr>
               <a:t>Uniformly Distributed Mutual Information (UDMI) Method</a:t>
@@ -5518,9 +6025,7 @@
             <a:r>
               <a:rPr lang="en-US" altLang="zh-TW" sz="1800" dirty="0">
                 <a:solidFill>
-                  <a:schemeClr val="bg1">
-                    <a:lumMod val="85000"/>
-                  </a:schemeClr>
+                  <a:srgbClr val="00279F"/>
                 </a:solidFill>
               </a:rPr>
               <a:t>Reinforcement Learning-based Beam Number Decision</a:t>
@@ -5528,78 +6033,31 @@
           </a:p>
           <a:p>
             <a:r>
-              <a:rPr lang="en-US" altLang="zh-TW" sz="2000" dirty="0">
-                <a:solidFill>
-                  <a:schemeClr val="bg1">
-                    <a:lumMod val="85000"/>
-                  </a:schemeClr>
-                </a:solidFill>
-              </a:rPr>
+              <a:rPr lang="en-US" altLang="zh-TW" sz="2000" dirty="0"/>
               <a:t>Simulation Results</a:t>
             </a:r>
           </a:p>
           <a:p>
             <a:r>
-              <a:rPr lang="en-US" altLang="zh-TW" sz="2000" dirty="0">
-                <a:solidFill>
-                  <a:schemeClr val="bg1">
-                    <a:lumMod val="85000"/>
-                  </a:schemeClr>
-                </a:solidFill>
-              </a:rPr>
-              <a:t>Experimental </a:t>
-            </a:r>
-            <a:r>
-              <a:rPr lang="en-US" altLang="zh-TW" sz="2000" dirty="0" smtClean="0">
-                <a:solidFill>
-                  <a:schemeClr val="bg1">
-                    <a:lumMod val="85000"/>
-                  </a:schemeClr>
-                </a:solidFill>
-              </a:rPr>
-              <a:t>Results</a:t>
-            </a:r>
-          </a:p>
-          <a:p>
-            <a:r>
-              <a:rPr lang="en-US" altLang="zh-TW" sz="2000" dirty="0" smtClean="0">
-                <a:solidFill>
-                  <a:schemeClr val="bg1">
-                    <a:lumMod val="85000"/>
-                  </a:schemeClr>
-                </a:solidFill>
-              </a:rPr>
+              <a:rPr lang="en-US" altLang="zh-TW" sz="2000" dirty="0"/>
+              <a:t>Experimental Results</a:t>
+            </a:r>
+          </a:p>
+          <a:p>
+            <a:r>
+              <a:rPr lang="en-US" altLang="zh-TW" sz="2000" dirty="0"/>
               <a:t>Conclusions</a:t>
             </a:r>
-            <a:endParaRPr lang="en-US" altLang="zh-TW" sz="2000" dirty="0">
-              <a:solidFill>
-                <a:schemeClr val="bg1">
-                  <a:lumMod val="85000"/>
-                </a:schemeClr>
-              </a:solidFill>
-            </a:endParaRPr>
-          </a:p>
-          <a:p>
-            <a:r>
-              <a:rPr lang="en-US" altLang="zh-TW" sz="2000" dirty="0" smtClean="0">
-                <a:solidFill>
-                  <a:schemeClr val="bg1">
-                    <a:lumMod val="85000"/>
-                  </a:schemeClr>
-                </a:solidFill>
-              </a:rPr>
+          </a:p>
+          <a:p>
+            <a:r>
+              <a:rPr lang="en-US" altLang="zh-TW" sz="2000" dirty="0"/>
               <a:t>References</a:t>
             </a:r>
-            <a:endParaRPr lang="zh-TW" altLang="en-US" sz="2000" dirty="0">
-              <a:solidFill>
-                <a:schemeClr val="bg1">
-                  <a:lumMod val="85000"/>
-                </a:schemeClr>
-              </a:solidFill>
-            </a:endParaRPr>
-          </a:p>
-          <a:p>
-            <a:endParaRPr lang="en-US" altLang="zh-TW" sz="2000" dirty="0" smtClean="0"/>
+            <a:endParaRPr lang="zh-TW" altLang="en-US" sz="2000" dirty="0"/>
+          </a:p>
+          <a:p>
+            <a:endParaRPr lang="en-US" altLang="zh-TW" sz="2000" dirty="0"/>
           </a:p>
         </p:txBody>
       </p:sp>
@@ -5642,20 +6100,13 @@
     </p:spTree>
     <p:extLst>
       <p:ext uri="{BB962C8B-B14F-4D97-AF65-F5344CB8AC3E}">
-        <p14:creationId xmlns:p14="http://schemas.microsoft.com/office/powerpoint/2010/main" val="112694714"/>
+        <p14:creationId xmlns:p14="http://schemas.microsoft.com/office/powerpoint/2010/main" val="536679316"/>
       </p:ext>
     </p:extLst>
   </p:cSld>
   <p:clrMapOvr>
     <a:masterClrMapping/>
   </p:clrMapOvr>
-  <p:timing>
-    <p:tnLst>
-      <p:par>
-        <p:cTn id="1" dur="indefinite" restart="never" nodeType="tmRoot"/>
-      </p:par>
-    </p:tnLst>
-  </p:timing>
 </p:sld>
 </file>
 
@@ -5693,7 +6144,7 @@
           <a:p>
             <a:pPr algn="ctr"/>
             <a:r>
-              <a:rPr lang="en-US" altLang="zh-TW" sz="3200" b="1" dirty="0" smtClean="0">
+              <a:rPr lang="en-US" altLang="zh-TW" sz="3200" b="1" dirty="0">
                 <a:solidFill>
                   <a:srgbClr val="00279F"/>
                 </a:solidFill>
@@ -5701,7 +6152,7 @@
                 <a:latin typeface="Times New Roman" panose="02020603050405020304" pitchFamily="18" charset="0"/>
                 <a:cs typeface="Times New Roman" panose="02020603050405020304" pitchFamily="18" charset="0"/>
               </a:rPr>
-              <a:t>Introduction (1/5)</a:t>
+              <a:t>Outline</a:t>
             </a:r>
             <a:endParaRPr lang="zh-TW" altLang="en-US" sz="3200" b="1" dirty="0">
               <a:solidFill>
@@ -5724,12 +6175,7 @@
             <p:ph idx="1"/>
           </p:nvPr>
         </p:nvSpPr>
-        <p:spPr>
-          <a:xfrm>
-            <a:off x="457200" y="1196752"/>
-            <a:ext cx="8363272" cy="4929411"/>
-          </a:xfrm>
-        </p:spPr>
+        <p:spPr/>
         <p:txBody>
           <a:bodyPr>
             <a:noAutofit/>
@@ -5737,469 +6183,158 @@
           <a:lstStyle/>
           <a:p>
             <a:r>
-              <a:rPr lang="en-US" altLang="zh-TW" sz="2000" dirty="0" smtClean="0"/>
-              <a:t>For</a:t>
-            </a:r>
-            <a:r>
-              <a:rPr lang="zh-TW" altLang="en-US" sz="2000" dirty="0" smtClean="0"/>
-              <a:t> </a:t>
-            </a:r>
-            <a:r>
-              <a:rPr lang="en-US" altLang="zh-TW" sz="2000" dirty="0" smtClean="0"/>
-              <a:t>past </a:t>
-            </a:r>
-            <a:r>
               <a:rPr lang="en-US" altLang="zh-TW" sz="2000" dirty="0"/>
-              <a:t>few years, </a:t>
-            </a:r>
-            <a:r>
-              <a:rPr lang="en-US" altLang="zh-TW" sz="2000" dirty="0" smtClean="0"/>
-              <a:t>abundant applications require </a:t>
-            </a:r>
-            <a:r>
-              <a:rPr lang="en-US" altLang="zh-TW" sz="2000" dirty="0"/>
-              <a:t>extremely </a:t>
-            </a:r>
-            <a:r>
-              <a:rPr lang="en-US" altLang="zh-TW" sz="2000" b="1" dirty="0"/>
-              <a:t>high throughput</a:t>
-            </a:r>
-            <a:r>
-              <a:rPr lang="en-US" altLang="zh-TW" sz="2000" dirty="0"/>
-              <a:t> or </a:t>
-            </a:r>
-            <a:r>
-              <a:rPr lang="en-US" altLang="zh-TW" sz="2000" b="1" dirty="0"/>
-              <a:t>low latency</a:t>
-            </a:r>
-            <a:r>
-              <a:rPr lang="en-US" altLang="zh-TW" sz="2000" dirty="0"/>
-              <a:t>, </a:t>
-            </a:r>
-            <a:r>
-              <a:rPr lang="en-US" altLang="zh-TW" sz="2000" dirty="0" smtClean="0"/>
-              <a:t>e.g., AR/VR and high </a:t>
-            </a:r>
-            <a:r>
-              <a:rPr lang="en-US" altLang="zh-TW" sz="2000" dirty="0"/>
-              <a:t>deﬁnition video </a:t>
-            </a:r>
-            <a:r>
-              <a:rPr lang="en-US" altLang="zh-TW" sz="2000" dirty="0" smtClean="0"/>
-              <a:t>[</a:t>
-            </a:r>
-            <a:r>
-              <a:rPr lang="en-US" altLang="zh-TW" sz="2000" dirty="0"/>
-              <a:t>1], [2</a:t>
-            </a:r>
-            <a:r>
-              <a:rPr lang="en-US" altLang="zh-TW" sz="2000" dirty="0" smtClean="0"/>
-              <a:t>]</a:t>
-            </a:r>
-          </a:p>
-          <a:p>
-            <a:r>
-              <a:rPr lang="en-US" altLang="zh-TW" sz="2000" dirty="0" smtClean="0"/>
-              <a:t>Frequency </a:t>
-            </a:r>
-            <a:r>
-              <a:rPr lang="en-US" altLang="zh-TW" sz="2000" dirty="0"/>
-              <a:t>bands </a:t>
-            </a:r>
-            <a:r>
-              <a:rPr lang="en-US" altLang="zh-TW" sz="2000" dirty="0" smtClean="0"/>
-              <a:t>at </a:t>
-            </a:r>
-            <a:r>
-              <a:rPr lang="en-US" altLang="zh-TW" sz="2000" b="1" dirty="0" smtClean="0"/>
-              <a:t>sub-6 GHz</a:t>
-            </a:r>
-            <a:r>
-              <a:rPr lang="en-US" altLang="zh-TW" sz="2000" dirty="0" smtClean="0"/>
-              <a:t> becomes </a:t>
-            </a:r>
-            <a:r>
-              <a:rPr lang="en-US" altLang="zh-TW" sz="2000" b="1" dirty="0" smtClean="0"/>
-              <a:t>insufﬁcient</a:t>
-            </a:r>
-            <a:r>
-              <a:rPr lang="en-US" altLang="zh-TW" sz="2000" dirty="0" smtClean="0"/>
-              <a:t> due to increments of novel applications </a:t>
-            </a:r>
-            <a:r>
-              <a:rPr lang="en-US" altLang="zh-TW" sz="2000" dirty="0"/>
-              <a:t>and mobile </a:t>
-            </a:r>
-            <a:r>
-              <a:rPr lang="en-US" altLang="zh-TW" sz="2000" dirty="0" smtClean="0"/>
-              <a:t>devices</a:t>
+              <a:t>Introduction</a:t>
+            </a:r>
+          </a:p>
+          <a:p>
+            <a:r>
+              <a:rPr lang="en-US" altLang="zh-TW" sz="2000" dirty="0">
+                <a:solidFill>
+                  <a:schemeClr val="bg1">
+                    <a:lumMod val="85000"/>
+                  </a:schemeClr>
+                </a:solidFill>
+              </a:rPr>
+              <a:t>System Model</a:t>
             </a:r>
           </a:p>
           <a:p>
             <a:pPr lvl="1"/>
             <a:r>
-              <a:rPr lang="en-US" altLang="zh-TW" sz="1800" b="1" dirty="0" smtClean="0">
-                <a:solidFill>
-                  <a:srgbClr val="00279F"/>
-                </a:solidFill>
-              </a:rPr>
-              <a:t>mmWave </a:t>
-            </a:r>
-            <a:r>
-              <a:rPr lang="en-US" altLang="zh-TW" sz="1800" dirty="0" smtClean="0">
-                <a:solidFill>
-                  <a:srgbClr val="00279F"/>
-                </a:solidFill>
-              </a:rPr>
-              <a:t>provides high </a:t>
-            </a:r>
-            <a:r>
-              <a:rPr lang="en-US" altLang="zh-TW" sz="1800" b="1" dirty="0">
-                <a:solidFill>
-                  <a:srgbClr val="00279F"/>
-                </a:solidFill>
-              </a:rPr>
-              <a:t>throughput</a:t>
-            </a:r>
-            <a:r>
               <a:rPr lang="en-US" altLang="zh-TW" sz="1800" dirty="0">
                 <a:solidFill>
-                  <a:srgbClr val="00279F"/>
-                </a:solidFill>
-              </a:rPr>
-              <a:t> </a:t>
-            </a:r>
-            <a:r>
-              <a:rPr lang="en-US" altLang="zh-TW" sz="1800" dirty="0" smtClean="0">
-                <a:solidFill>
-                  <a:srgbClr val="00279F"/>
-                </a:solidFill>
-              </a:rPr>
-              <a:t>thanks to</a:t>
-            </a:r>
-            <a:r>
-              <a:rPr lang="zh-TW" altLang="en-US" sz="1800" dirty="0" smtClean="0">
-                <a:solidFill>
-                  <a:srgbClr val="00279F"/>
-                </a:solidFill>
-              </a:rPr>
-              <a:t> </a:t>
-            </a:r>
-            <a:r>
-              <a:rPr lang="en-US" altLang="zh-TW" sz="1800" dirty="0" smtClean="0">
-                <a:solidFill>
-                  <a:srgbClr val="00279F"/>
-                </a:solidFill>
-              </a:rPr>
-              <a:t>its extremely </a:t>
-            </a:r>
-            <a:r>
-              <a:rPr lang="en-US" altLang="zh-TW" sz="1800" b="1" dirty="0">
-                <a:solidFill>
-                  <a:srgbClr val="00279F"/>
-                </a:solidFill>
-              </a:rPr>
-              <a:t>large </a:t>
-            </a:r>
-            <a:r>
-              <a:rPr lang="en-US" altLang="zh-TW" sz="1800" b="1" dirty="0" smtClean="0">
-                <a:solidFill>
-                  <a:srgbClr val="00279F"/>
-                </a:solidFill>
-              </a:rPr>
-              <a:t>bandwidth</a:t>
-            </a:r>
-          </a:p>
-          <a:p>
-            <a:r>
-              <a:rPr lang="en-US" altLang="zh-TW" sz="2000" dirty="0"/>
-              <a:t>Although mmWave can provide </a:t>
-            </a:r>
-            <a:r>
-              <a:rPr lang="en-US" altLang="zh-TW" sz="2000" b="1" dirty="0"/>
-              <a:t>huge spectrum resource</a:t>
-            </a:r>
-            <a:r>
-              <a:rPr lang="en-US" altLang="zh-TW" sz="2000" dirty="0"/>
-              <a:t>, there are also some </a:t>
-            </a:r>
-            <a:r>
-              <a:rPr lang="en-US" altLang="zh-TW" sz="2000" b="1" dirty="0"/>
-              <a:t>disadvantages</a:t>
-            </a:r>
-            <a:r>
-              <a:rPr lang="en-US" altLang="zh-TW" sz="2000" dirty="0"/>
-              <a:t> </a:t>
-            </a:r>
-            <a:r>
-              <a:rPr lang="en-US" altLang="zh-TW" sz="2000" dirty="0" smtClean="0"/>
-              <a:t>to be solved</a:t>
+                  <a:schemeClr val="bg1">
+                    <a:lumMod val="85000"/>
+                  </a:schemeClr>
+                </a:solidFill>
+                <a:latin typeface="Times New Roman" panose="02020603050405020304" pitchFamily="18" charset="0"/>
+                <a:cs typeface="Times New Roman" panose="02020603050405020304" pitchFamily="18" charset="0"/>
+              </a:rPr>
+              <a:t>IEEE 802.11ad/ay Beam Training Frame Structure</a:t>
             </a:r>
           </a:p>
           <a:p>
             <a:pPr lvl="1"/>
             <a:r>
-              <a:rPr lang="en-US" altLang="zh-TW" sz="1800" dirty="0" smtClean="0">
-                <a:solidFill>
-                  <a:srgbClr val="00279F"/>
-                </a:solidFill>
-              </a:rPr>
-              <a:t>Severe </a:t>
-            </a:r>
-            <a:r>
-              <a:rPr lang="en-US" altLang="zh-TW" sz="1800" b="1" dirty="0">
-                <a:solidFill>
-                  <a:srgbClr val="00279F"/>
-                </a:solidFill>
-              </a:rPr>
-              <a:t>attenuation</a:t>
-            </a:r>
-            <a:r>
               <a:rPr lang="en-US" altLang="zh-TW" sz="1800" dirty="0">
                 <a:solidFill>
-                  <a:srgbClr val="00279F"/>
-                </a:solidFill>
-              </a:rPr>
-              <a:t> by rain or oxygen absorption </a:t>
-            </a:r>
-            <a:r>
-              <a:rPr lang="en-US" altLang="zh-TW" sz="1800" dirty="0" smtClean="0">
-                <a:solidFill>
-                  <a:srgbClr val="00279F"/>
-                </a:solidFill>
-              </a:rPr>
-              <a:t>[3]</a:t>
+                  <a:schemeClr val="bg1">
+                    <a:lumMod val="85000"/>
+                  </a:schemeClr>
+                </a:solidFill>
+              </a:rPr>
+              <a:t>Problem Formulation </a:t>
+            </a:r>
+          </a:p>
+          <a:p>
+            <a:r>
+              <a:rPr lang="en-US" altLang="zh-TW" sz="2000" dirty="0">
+                <a:solidFill>
+                  <a:schemeClr val="bg1">
+                    <a:lumMod val="85000"/>
+                  </a:schemeClr>
+                </a:solidFill>
+              </a:rPr>
+              <a:t>Learning-based Adjustable Beam Number Training (LABNT) Algorithm</a:t>
             </a:r>
           </a:p>
           <a:p>
             <a:pPr lvl="1"/>
             <a:r>
-              <a:rPr lang="en-US" altLang="zh-TW" sz="1800" dirty="0" smtClean="0">
-                <a:solidFill>
-                  <a:srgbClr val="00279F"/>
-                </a:solidFill>
-              </a:rPr>
-              <a:t>Suffer </a:t>
-            </a:r>
-            <a:r>
               <a:rPr lang="en-US" altLang="zh-TW" sz="1800" dirty="0">
                 <a:solidFill>
-                  <a:srgbClr val="00279F"/>
-                </a:solidFill>
-              </a:rPr>
-              <a:t>from </a:t>
-            </a:r>
-            <a:r>
-              <a:rPr lang="en-US" altLang="zh-TW" sz="1800" dirty="0" smtClean="0">
-                <a:solidFill>
-                  <a:srgbClr val="00279F"/>
-                </a:solidFill>
-              </a:rPr>
-              <a:t>much higher </a:t>
-            </a:r>
-            <a:r>
-              <a:rPr lang="en-US" altLang="zh-TW" sz="1800" b="1" dirty="0">
-                <a:solidFill>
-                  <a:srgbClr val="00279F"/>
-                </a:solidFill>
-              </a:rPr>
-              <a:t>path loss</a:t>
-            </a:r>
+                  <a:schemeClr val="bg1">
+                    <a:lumMod val="85000"/>
+                  </a:schemeClr>
+                </a:solidFill>
+              </a:rPr>
+              <a:t>Supervised Learning Modeling</a:t>
+            </a:r>
+          </a:p>
+          <a:p>
+            <a:pPr lvl="1"/>
             <a:r>
               <a:rPr lang="en-US" altLang="zh-TW" sz="1800" dirty="0">
                 <a:solidFill>
-                  <a:srgbClr val="00279F"/>
-                </a:solidFill>
-              </a:rPr>
-              <a:t> than </a:t>
-            </a:r>
-            <a:r>
-              <a:rPr lang="en-US" altLang="zh-TW" sz="1800" b="1" dirty="0">
-                <a:solidFill>
-                  <a:srgbClr val="00279F"/>
-                </a:solidFill>
-              </a:rPr>
-              <a:t>low frequency </a:t>
-            </a:r>
-            <a:r>
-              <a:rPr lang="en-US" altLang="zh-TW" sz="1800" b="1" dirty="0" smtClean="0">
-                <a:solidFill>
-                  <a:srgbClr val="00279F"/>
-                </a:solidFill>
-              </a:rPr>
-              <a:t>signal</a:t>
-            </a:r>
-          </a:p>
-          <a:p>
-            <a:r>
-              <a:rPr lang="en-US" altLang="zh-TW" sz="2000" dirty="0"/>
-              <a:t>These will limit the transmission </a:t>
-            </a:r>
-            <a:r>
-              <a:rPr lang="en-US" altLang="zh-TW" sz="2000" b="1" dirty="0" smtClean="0"/>
-              <a:t>range</a:t>
-            </a:r>
-            <a:r>
-              <a:rPr lang="en-US" altLang="zh-TW" sz="2000" dirty="0" smtClean="0"/>
-              <a:t> and </a:t>
-            </a:r>
-            <a:r>
-              <a:rPr lang="en-US" altLang="zh-TW" sz="2000" b="1" dirty="0" smtClean="0"/>
-              <a:t>power</a:t>
-            </a:r>
-            <a:r>
-              <a:rPr lang="en-US" altLang="zh-TW" sz="2000" dirty="0" smtClean="0"/>
-              <a:t> </a:t>
-            </a:r>
-            <a:r>
-              <a:rPr lang="en-US" altLang="zh-TW" sz="2000" dirty="0"/>
-              <a:t>with </a:t>
-            </a:r>
-            <a:r>
-              <a:rPr lang="en-US" altLang="zh-TW" sz="2000" dirty="0" err="1" smtClean="0"/>
-              <a:t>mmWave</a:t>
-            </a:r>
-            <a:r>
-              <a:rPr lang="en-US" altLang="zh-TW" sz="2000" dirty="0" smtClean="0"/>
-              <a:t> system</a:t>
+                  <a:schemeClr val="bg1">
+                    <a:lumMod val="85000"/>
+                  </a:schemeClr>
+                </a:solidFill>
+              </a:rPr>
+              <a:t>Uniformly Distributed Mutual Information (UDMI) Method</a:t>
             </a:r>
           </a:p>
           <a:p>
             <a:pPr lvl="1"/>
             <a:r>
-              <a:rPr lang="en-US" altLang="zh-TW" sz="1800" b="1" dirty="0" smtClean="0">
-                <a:solidFill>
-                  <a:srgbClr val="00279F"/>
-                </a:solidFill>
-              </a:rPr>
-              <a:t>Beamforming</a:t>
-            </a:r>
-            <a:r>
-              <a:rPr lang="en-US" altLang="zh-TW" sz="1800" dirty="0" smtClean="0">
-                <a:solidFill>
-                  <a:srgbClr val="00279F"/>
-                </a:solidFill>
-              </a:rPr>
-              <a:t> technique is adopted </a:t>
-            </a:r>
-            <a:r>
               <a:rPr lang="en-US" altLang="zh-TW" sz="1800" dirty="0">
                 <a:solidFill>
-                  <a:srgbClr val="00279F"/>
-                </a:solidFill>
-              </a:rPr>
-              <a:t>to </a:t>
-            </a:r>
-            <a:r>
-              <a:rPr lang="en-US" altLang="zh-TW" sz="1800" dirty="0" smtClean="0">
-                <a:solidFill>
-                  <a:srgbClr val="00279F"/>
-                </a:solidFill>
-              </a:rPr>
-              <a:t>overcome high path loss and attenuation due </a:t>
-            </a:r>
-            <a:r>
-              <a:rPr lang="en-US" altLang="zh-TW" sz="1800" dirty="0">
-                <a:solidFill>
-                  <a:srgbClr val="00279F"/>
-                </a:solidFill>
-              </a:rPr>
-              <a:t>to the enhanced </a:t>
-            </a:r>
-            <a:r>
-              <a:rPr lang="en-US" altLang="zh-TW" sz="1800" b="1" dirty="0">
-                <a:solidFill>
-                  <a:srgbClr val="00279F"/>
-                </a:solidFill>
-              </a:rPr>
-              <a:t>antenna gain </a:t>
-            </a:r>
-            <a:r>
-              <a:rPr lang="en-US" altLang="zh-TW" sz="1800" dirty="0" smtClean="0">
-                <a:solidFill>
-                  <a:srgbClr val="00279F"/>
-                </a:solidFill>
-              </a:rPr>
-              <a:t>[4]</a:t>
-            </a:r>
-          </a:p>
-          <a:p>
-            <a:pPr lvl="1"/>
-            <a:r>
-              <a:rPr lang="en-US" altLang="zh-TW" sz="1800" dirty="0">
-                <a:solidFill>
-                  <a:srgbClr val="00279F"/>
-                </a:solidFill>
-              </a:rPr>
-              <a:t>With beamforming, </a:t>
-            </a:r>
-            <a:r>
-              <a:rPr lang="en-US" altLang="zh-TW" sz="1800" dirty="0" smtClean="0">
-                <a:solidFill>
-                  <a:srgbClr val="00279F"/>
-                </a:solidFill>
-              </a:rPr>
-              <a:t>mmWave signals </a:t>
-            </a:r>
-            <a:r>
-              <a:rPr lang="en-US" altLang="zh-TW" sz="1800" dirty="0">
-                <a:solidFill>
-                  <a:srgbClr val="00279F"/>
-                </a:solidFill>
-              </a:rPr>
-              <a:t>will become </a:t>
-            </a:r>
-            <a:r>
-              <a:rPr lang="en-US" altLang="zh-TW" sz="1800" b="1" dirty="0">
-                <a:solidFill>
-                  <a:srgbClr val="00279F"/>
-                </a:solidFill>
-              </a:rPr>
-              <a:t>directional</a:t>
-            </a:r>
-            <a:r>
-              <a:rPr lang="en-US" altLang="zh-TW" sz="1800" dirty="0">
-                <a:solidFill>
-                  <a:srgbClr val="00279F"/>
-                </a:solidFill>
-              </a:rPr>
-              <a:t> and its transmission range will also increase due to higher transmission power </a:t>
-            </a:r>
-            <a:r>
-              <a:rPr lang="en-US" altLang="zh-TW" sz="1800" dirty="0" smtClean="0">
-                <a:solidFill>
-                  <a:srgbClr val="00279F"/>
-                </a:solidFill>
-              </a:rPr>
-              <a:t>[5]</a:t>
-            </a:r>
-          </a:p>
-          <a:p>
-            <a:pPr lvl="1"/>
-            <a:r>
-              <a:rPr lang="en-US" altLang="zh-TW" sz="1800" dirty="0" smtClean="0">
-                <a:solidFill>
-                  <a:srgbClr val="00279F"/>
-                </a:solidFill>
-              </a:rPr>
-              <a:t>Therefore, we have to find the </a:t>
-            </a:r>
-            <a:r>
-              <a:rPr lang="en-US" altLang="zh-TW" sz="1800" b="1" dirty="0" smtClean="0">
-                <a:solidFill>
-                  <a:srgbClr val="00279F"/>
-                </a:solidFill>
-              </a:rPr>
-              <a:t>optimal beam direction </a:t>
-            </a:r>
-            <a:r>
-              <a:rPr lang="en-US" altLang="zh-TW" sz="1800" dirty="0" smtClean="0">
-                <a:solidFill>
-                  <a:srgbClr val="00279F"/>
-                </a:solidFill>
-              </a:rPr>
-              <a:t>to maximize throughput</a:t>
-            </a:r>
+                  <a:schemeClr val="bg1">
+                    <a:lumMod val="85000"/>
+                  </a:schemeClr>
+                </a:solidFill>
+              </a:rPr>
+              <a:t>Reinforcement Learning-based Beam Number Decision</a:t>
+            </a:r>
+          </a:p>
+          <a:p>
+            <a:r>
+              <a:rPr lang="en-US" altLang="zh-TW" sz="2000" dirty="0">
+                <a:solidFill>
+                  <a:schemeClr val="bg1">
+                    <a:lumMod val="85000"/>
+                  </a:schemeClr>
+                </a:solidFill>
+              </a:rPr>
+              <a:t>Simulation Results</a:t>
+            </a:r>
+          </a:p>
+          <a:p>
+            <a:r>
+              <a:rPr lang="en-US" altLang="zh-TW" sz="2000" dirty="0">
+                <a:solidFill>
+                  <a:schemeClr val="bg1">
+                    <a:lumMod val="85000"/>
+                  </a:schemeClr>
+                </a:solidFill>
+              </a:rPr>
+              <a:t>Experimental Results</a:t>
+            </a:r>
+          </a:p>
+          <a:p>
+            <a:r>
+              <a:rPr lang="en-US" altLang="zh-TW" sz="2000" dirty="0">
+                <a:solidFill>
+                  <a:schemeClr val="bg1">
+                    <a:lumMod val="85000"/>
+                  </a:schemeClr>
+                </a:solidFill>
+              </a:rPr>
+              <a:t>Conclusions</a:t>
+            </a:r>
+          </a:p>
+          <a:p>
+            <a:r>
+              <a:rPr lang="en-US" altLang="zh-TW" sz="2000" dirty="0">
+                <a:solidFill>
+                  <a:schemeClr val="bg1">
+                    <a:lumMod val="85000"/>
+                  </a:schemeClr>
+                </a:solidFill>
+              </a:rPr>
+              <a:t>References</a:t>
+            </a:r>
+            <a:endParaRPr lang="zh-TW" altLang="en-US" sz="2000" dirty="0">
+              <a:solidFill>
+                <a:schemeClr val="bg1">
+                  <a:lumMod val="85000"/>
+                </a:schemeClr>
+              </a:solidFill>
+            </a:endParaRPr>
+          </a:p>
+          <a:p>
+            <a:endParaRPr lang="en-US" altLang="zh-TW" sz="2000" dirty="0"/>
           </a:p>
         </p:txBody>
       </p:sp>
@@ -6242,20 +6377,13 @@
     </p:spTree>
     <p:extLst>
       <p:ext uri="{BB962C8B-B14F-4D97-AF65-F5344CB8AC3E}">
-        <p14:creationId xmlns:p14="http://schemas.microsoft.com/office/powerpoint/2010/main" val="859692837"/>
+        <p14:creationId xmlns:p14="http://schemas.microsoft.com/office/powerpoint/2010/main" val="112694714"/>
       </p:ext>
     </p:extLst>
   </p:cSld>
   <p:clrMapOvr>
     <a:masterClrMapping/>
   </p:clrMapOvr>
-  <p:timing>
-    <p:tnLst>
-      <p:par>
-        <p:cTn id="1" dur="indefinite" restart="never" nodeType="tmRoot"/>
-      </p:par>
-    </p:tnLst>
-  </p:timing>
 </p:sld>
 </file>
 
@@ -6293,7 +6421,7 @@
           <a:p>
             <a:pPr algn="ctr"/>
             <a:r>
-              <a:rPr lang="en-US" altLang="zh-TW" sz="2400" b="1" dirty="0">
+              <a:rPr lang="en-US" altLang="zh-TW" sz="3200" b="1" dirty="0">
                 <a:solidFill>
                   <a:srgbClr val="00279F"/>
                 </a:solidFill>
@@ -6301,20 +6429,9 @@
                 <a:latin typeface="Times New Roman" panose="02020603050405020304" pitchFamily="18" charset="0"/>
                 <a:cs typeface="Times New Roman" panose="02020603050405020304" pitchFamily="18" charset="0"/>
               </a:rPr>
-              <a:t>IEEE 802.11ad/ay Beam Training Frame </a:t>
-            </a:r>
-            <a:r>
-              <a:rPr lang="en-US" altLang="zh-TW" sz="2400" b="1" dirty="0" smtClean="0">
-                <a:solidFill>
-                  <a:srgbClr val="00279F"/>
-                </a:solidFill>
-                <a:effectLst/>
-                <a:latin typeface="Times New Roman" panose="02020603050405020304" pitchFamily="18" charset="0"/>
-                <a:cs typeface="Times New Roman" panose="02020603050405020304" pitchFamily="18" charset="0"/>
-              </a:rPr>
-              <a:t>Structure (2/4)</a:t>
-            </a:r>
-            <a:endParaRPr lang="en-US" altLang="zh-TW" sz="2400" b="1" dirty="0">
+              <a:t>Introduction (1/5)</a:t>
+            </a:r>
+            <a:endParaRPr lang="zh-TW" altLang="en-US" sz="3200" b="1" dirty="0">
               <a:solidFill>
                 <a:srgbClr val="00279F"/>
               </a:solidFill>
@@ -6327,6 +6444,343 @@
       </p:sp>
       <p:sp>
         <p:nvSpPr>
+          <p:cNvPr id="3" name="內容版面配置區 2"/>
+          <p:cNvSpPr>
+            <a:spLocks noGrp="1"/>
+          </p:cNvSpPr>
+          <p:nvPr>
+            <p:ph idx="1"/>
+          </p:nvPr>
+        </p:nvSpPr>
+        <p:spPr>
+          <a:xfrm>
+            <a:off x="457200" y="1196752"/>
+            <a:ext cx="8363272" cy="4929411"/>
+          </a:xfrm>
+        </p:spPr>
+        <p:txBody>
+          <a:bodyPr>
+            <a:noAutofit/>
+          </a:bodyPr>
+          <a:lstStyle/>
+          <a:p>
+            <a:r>
+              <a:rPr lang="en-US" altLang="zh-TW" sz="2000" dirty="0"/>
+              <a:t>For</a:t>
+            </a:r>
+            <a:r>
+              <a:rPr lang="zh-TW" altLang="en-US" sz="2000" dirty="0"/>
+              <a:t> </a:t>
+            </a:r>
+            <a:r>
+              <a:rPr lang="en-US" altLang="zh-TW" sz="2000" dirty="0"/>
+              <a:t>past few years, abundant applications require extremely </a:t>
+            </a:r>
+            <a:r>
+              <a:rPr lang="en-US" altLang="zh-TW" sz="2000" b="1" dirty="0"/>
+              <a:t>high throughput</a:t>
+            </a:r>
+            <a:r>
+              <a:rPr lang="en-US" altLang="zh-TW" sz="2000" dirty="0"/>
+              <a:t> or </a:t>
+            </a:r>
+            <a:r>
+              <a:rPr lang="en-US" altLang="zh-TW" sz="2000" b="1" dirty="0"/>
+              <a:t>low latency</a:t>
+            </a:r>
+            <a:r>
+              <a:rPr lang="en-US" altLang="zh-TW" sz="2000" dirty="0"/>
+              <a:t>, e.g., AR/VR and high deﬁnition video [1], [2]</a:t>
+            </a:r>
+          </a:p>
+          <a:p>
+            <a:r>
+              <a:rPr lang="en-US" altLang="zh-TW" sz="2000" dirty="0"/>
+              <a:t>Frequency bands at </a:t>
+            </a:r>
+            <a:r>
+              <a:rPr lang="en-US" altLang="zh-TW" sz="2000" b="1" dirty="0"/>
+              <a:t>sub-6 GHz</a:t>
+            </a:r>
+            <a:r>
+              <a:rPr lang="en-US" altLang="zh-TW" sz="2000" dirty="0"/>
+              <a:t> becomes </a:t>
+            </a:r>
+            <a:r>
+              <a:rPr lang="en-US" altLang="zh-TW" sz="2000" b="1" dirty="0"/>
+              <a:t>insufﬁcient</a:t>
+            </a:r>
+            <a:r>
+              <a:rPr lang="en-US" altLang="zh-TW" sz="2000" dirty="0"/>
+              <a:t> due to increments of novel applications and mobile devices</a:t>
+            </a:r>
+          </a:p>
+          <a:p>
+            <a:pPr lvl="1"/>
+            <a:r>
+              <a:rPr lang="en-US" altLang="zh-TW" sz="1800" b="1" dirty="0">
+                <a:solidFill>
+                  <a:srgbClr val="00279F"/>
+                </a:solidFill>
+              </a:rPr>
+              <a:t>mmWave </a:t>
+            </a:r>
+            <a:r>
+              <a:rPr lang="en-US" altLang="zh-TW" sz="1800" dirty="0">
+                <a:solidFill>
+                  <a:srgbClr val="00279F"/>
+                </a:solidFill>
+              </a:rPr>
+              <a:t>provides high </a:t>
+            </a:r>
+            <a:r>
+              <a:rPr lang="en-US" altLang="zh-TW" sz="1800" b="1" dirty="0">
+                <a:solidFill>
+                  <a:srgbClr val="00279F"/>
+                </a:solidFill>
+              </a:rPr>
+              <a:t>throughput</a:t>
+            </a:r>
+            <a:r>
+              <a:rPr lang="en-US" altLang="zh-TW" sz="1800" dirty="0">
+                <a:solidFill>
+                  <a:srgbClr val="00279F"/>
+                </a:solidFill>
+              </a:rPr>
+              <a:t> thanks to</a:t>
+            </a:r>
+            <a:r>
+              <a:rPr lang="zh-TW" altLang="en-US" sz="1800" dirty="0">
+                <a:solidFill>
+                  <a:srgbClr val="00279F"/>
+                </a:solidFill>
+              </a:rPr>
+              <a:t> </a:t>
+            </a:r>
+            <a:r>
+              <a:rPr lang="en-US" altLang="zh-TW" sz="1800" dirty="0">
+                <a:solidFill>
+                  <a:srgbClr val="00279F"/>
+                </a:solidFill>
+              </a:rPr>
+              <a:t>its extremely </a:t>
+            </a:r>
+            <a:r>
+              <a:rPr lang="en-US" altLang="zh-TW" sz="1800" b="1" dirty="0">
+                <a:solidFill>
+                  <a:srgbClr val="00279F"/>
+                </a:solidFill>
+              </a:rPr>
+              <a:t>large bandwidth</a:t>
+            </a:r>
+          </a:p>
+          <a:p>
+            <a:r>
+              <a:rPr lang="en-US" altLang="zh-TW" sz="2000" dirty="0"/>
+              <a:t>Although mmWave can provide </a:t>
+            </a:r>
+            <a:r>
+              <a:rPr lang="en-US" altLang="zh-TW" sz="2000" b="1" dirty="0"/>
+              <a:t>huge spectrum resource</a:t>
+            </a:r>
+            <a:r>
+              <a:rPr lang="en-US" altLang="zh-TW" sz="2000" dirty="0"/>
+              <a:t>, there are also some </a:t>
+            </a:r>
+            <a:r>
+              <a:rPr lang="en-US" altLang="zh-TW" sz="2000" b="1" dirty="0"/>
+              <a:t>disadvantages</a:t>
+            </a:r>
+            <a:r>
+              <a:rPr lang="en-US" altLang="zh-TW" sz="2000" dirty="0"/>
+              <a:t> to be solved</a:t>
+            </a:r>
+          </a:p>
+          <a:p>
+            <a:pPr lvl="1"/>
+            <a:r>
+              <a:rPr lang="en-US" altLang="zh-TW" sz="1800" dirty="0">
+                <a:solidFill>
+                  <a:srgbClr val="00279F"/>
+                </a:solidFill>
+              </a:rPr>
+              <a:t>Severe </a:t>
+            </a:r>
+            <a:r>
+              <a:rPr lang="en-US" altLang="zh-TW" sz="1800" b="1" dirty="0">
+                <a:solidFill>
+                  <a:srgbClr val="00279F"/>
+                </a:solidFill>
+              </a:rPr>
+              <a:t>attenuation</a:t>
+            </a:r>
+            <a:r>
+              <a:rPr lang="en-US" altLang="zh-TW" sz="1800" dirty="0">
+                <a:solidFill>
+                  <a:srgbClr val="00279F"/>
+                </a:solidFill>
+              </a:rPr>
+              <a:t> by rain or oxygen absorption [3]</a:t>
+            </a:r>
+          </a:p>
+          <a:p>
+            <a:pPr lvl="1"/>
+            <a:r>
+              <a:rPr lang="en-US" altLang="zh-TW" sz="1800" dirty="0">
+                <a:solidFill>
+                  <a:srgbClr val="00279F"/>
+                </a:solidFill>
+              </a:rPr>
+              <a:t>Suffer from much higher </a:t>
+            </a:r>
+            <a:r>
+              <a:rPr lang="en-US" altLang="zh-TW" sz="1800" b="1" dirty="0">
+                <a:solidFill>
+                  <a:srgbClr val="00279F"/>
+                </a:solidFill>
+              </a:rPr>
+              <a:t>path loss</a:t>
+            </a:r>
+            <a:r>
+              <a:rPr lang="en-US" altLang="zh-TW" sz="1800" dirty="0">
+                <a:solidFill>
+                  <a:srgbClr val="00279F"/>
+                </a:solidFill>
+              </a:rPr>
+              <a:t> than </a:t>
+            </a:r>
+            <a:r>
+              <a:rPr lang="en-US" altLang="zh-TW" sz="1800" b="1" dirty="0">
+                <a:solidFill>
+                  <a:srgbClr val="00279F"/>
+                </a:solidFill>
+              </a:rPr>
+              <a:t>low frequency signal</a:t>
+            </a:r>
+          </a:p>
+          <a:p>
+            <a:r>
+              <a:rPr lang="en-US" altLang="zh-TW" sz="2000" dirty="0"/>
+              <a:t>These will limit the transmission </a:t>
+            </a:r>
+            <a:r>
+              <a:rPr lang="en-US" altLang="zh-TW" sz="2000" b="1" dirty="0"/>
+              <a:t>range</a:t>
+            </a:r>
+            <a:r>
+              <a:rPr lang="en-US" altLang="zh-TW" sz="2000" dirty="0"/>
+              <a:t> and </a:t>
+            </a:r>
+            <a:r>
+              <a:rPr lang="en-US" altLang="zh-TW" sz="2000" b="1" dirty="0"/>
+              <a:t>power</a:t>
+            </a:r>
+            <a:r>
+              <a:rPr lang="en-US" altLang="zh-TW" sz="2000" dirty="0"/>
+              <a:t> with </a:t>
+            </a:r>
+            <a:r>
+              <a:rPr lang="en-US" altLang="zh-TW" sz="2000" dirty="0" err="1"/>
+              <a:t>mmWave</a:t>
+            </a:r>
+            <a:r>
+              <a:rPr lang="en-US" altLang="zh-TW" sz="2000" dirty="0"/>
+              <a:t> system</a:t>
+            </a:r>
+          </a:p>
+          <a:p>
+            <a:pPr lvl="1"/>
+            <a:r>
+              <a:rPr lang="en-US" altLang="zh-TW" sz="1800" b="1" dirty="0">
+                <a:solidFill>
+                  <a:srgbClr val="00279F"/>
+                </a:solidFill>
+              </a:rPr>
+              <a:t>Beamforming</a:t>
+            </a:r>
+            <a:r>
+              <a:rPr lang="en-US" altLang="zh-TW" sz="1800" dirty="0">
+                <a:solidFill>
+                  <a:srgbClr val="00279F"/>
+                </a:solidFill>
+              </a:rPr>
+              <a:t> technique is adopted to overcome high path loss and attenuation due to the enhanced </a:t>
+            </a:r>
+            <a:r>
+              <a:rPr lang="en-US" altLang="zh-TW" sz="1800" b="1" dirty="0">
+                <a:solidFill>
+                  <a:srgbClr val="00279F"/>
+                </a:solidFill>
+              </a:rPr>
+              <a:t>antenna gain </a:t>
+            </a:r>
+            <a:r>
+              <a:rPr lang="en-US" altLang="zh-TW" sz="1800" dirty="0">
+                <a:solidFill>
+                  <a:srgbClr val="00279F"/>
+                </a:solidFill>
+              </a:rPr>
+              <a:t>[4]</a:t>
+            </a:r>
+          </a:p>
+          <a:p>
+            <a:pPr lvl="1"/>
+            <a:r>
+              <a:rPr lang="en-US" altLang="zh-TW" sz="1800" dirty="0">
+                <a:solidFill>
+                  <a:srgbClr val="00279F"/>
+                </a:solidFill>
+              </a:rPr>
+              <a:t>With beamforming, mmWave signals will become </a:t>
+            </a:r>
+            <a:r>
+              <a:rPr lang="en-US" altLang="zh-TW" sz="1800" b="1" dirty="0">
+                <a:solidFill>
+                  <a:srgbClr val="00279F"/>
+                </a:solidFill>
+              </a:rPr>
+              <a:t>directional</a:t>
+            </a:r>
+            <a:r>
+              <a:rPr lang="en-US" altLang="zh-TW" sz="1800" dirty="0">
+                <a:solidFill>
+                  <a:srgbClr val="00279F"/>
+                </a:solidFill>
+              </a:rPr>
+              <a:t> and its transmission range will also increase due to higher transmission power [5]</a:t>
+            </a:r>
+          </a:p>
+          <a:p>
+            <a:pPr lvl="1"/>
+            <a:r>
+              <a:rPr lang="en-US" altLang="zh-TW" sz="1800" dirty="0">
+                <a:solidFill>
+                  <a:srgbClr val="00279F"/>
+                </a:solidFill>
+              </a:rPr>
+              <a:t>Therefore, we have to find the </a:t>
+            </a:r>
+            <a:r>
+              <a:rPr lang="en-US" altLang="zh-TW" sz="1800" b="1" dirty="0">
+                <a:solidFill>
+                  <a:srgbClr val="00279F"/>
+                </a:solidFill>
+              </a:rPr>
+              <a:t>optimal beam direction </a:t>
+            </a:r>
+            <a:r>
+              <a:rPr lang="en-US" altLang="zh-TW" sz="1800" dirty="0">
+                <a:solidFill>
+                  <a:srgbClr val="00279F"/>
+                </a:solidFill>
+              </a:rPr>
+              <a:t>to maximize throughput</a:t>
+            </a:r>
+          </a:p>
+        </p:txBody>
+      </p:sp>
+      <p:sp>
+        <p:nvSpPr>
           <p:cNvPr id="4" name="投影片編號版面配置區 3"/>
           <p:cNvSpPr>
             <a:spLocks noGrp="1"/>
@@ -6350,6 +6804,102 @@
               </a:rPr>
               <a:pPr/>
               <a:t>5</a:t>
+            </a:fld>
+            <a:endParaRPr lang="zh-TW" altLang="en-US" dirty="0">
+              <a:solidFill>
+                <a:prstClr val="black">
+                  <a:tint val="75000"/>
+                </a:prstClr>
+              </a:solidFill>
+            </a:endParaRPr>
+          </a:p>
+        </p:txBody>
+      </p:sp>
+    </p:spTree>
+    <p:extLst>
+      <p:ext uri="{BB962C8B-B14F-4D97-AF65-F5344CB8AC3E}">
+        <p14:creationId xmlns:p14="http://schemas.microsoft.com/office/powerpoint/2010/main" val="859692837"/>
+      </p:ext>
+    </p:extLst>
+  </p:cSld>
+  <p:clrMapOvr>
+    <a:masterClrMapping/>
+  </p:clrMapOvr>
+</p:sld>
+</file>
+
+<file path=ppt/slides/slide6.xml><?xml version="1.0" encoding="utf-8"?>
+<p:sld xmlns:a="http://schemas.openxmlformats.org/drawingml/2006/main" xmlns:r="http://schemas.openxmlformats.org/officeDocument/2006/relationships" xmlns:p="http://schemas.openxmlformats.org/presentationml/2006/main">
+  <p:cSld>
+    <p:spTree>
+      <p:nvGrpSpPr>
+        <p:cNvPr id="1" name=""/>
+        <p:cNvGrpSpPr/>
+        <p:nvPr/>
+      </p:nvGrpSpPr>
+      <p:grpSpPr>
+        <a:xfrm>
+          <a:off x="0" y="0"/>
+          <a:ext cx="0" cy="0"/>
+          <a:chOff x="0" y="0"/>
+          <a:chExt cx="0" cy="0"/>
+        </a:xfrm>
+      </p:grpSpPr>
+      <p:sp>
+        <p:nvSpPr>
+          <p:cNvPr id="2" name="標題 1"/>
+          <p:cNvSpPr>
+            <a:spLocks noGrp="1"/>
+          </p:cNvSpPr>
+          <p:nvPr>
+            <p:ph type="title"/>
+          </p:nvPr>
+        </p:nvSpPr>
+        <p:spPr/>
+        <p:txBody>
+          <a:bodyPr/>
+          <a:lstStyle/>
+          <a:p>
+            <a:pPr algn="ctr"/>
+            <a:r>
+              <a:rPr lang="en-US" altLang="zh-TW" sz="2400" b="1" dirty="0">
+                <a:solidFill>
+                  <a:srgbClr val="00279F"/>
+                </a:solidFill>
+                <a:effectLst/>
+                <a:latin typeface="Times New Roman" panose="02020603050405020304" pitchFamily="18" charset="0"/>
+                <a:cs typeface="Times New Roman" panose="02020603050405020304" pitchFamily="18" charset="0"/>
+              </a:rPr>
+              <a:t>IEEE 802.11ad/ay Beam Training Frame Structure (2/4)</a:t>
+            </a:r>
+          </a:p>
+        </p:txBody>
+      </p:sp>
+      <p:sp>
+        <p:nvSpPr>
+          <p:cNvPr id="4" name="投影片編號版面配置區 3"/>
+          <p:cNvSpPr>
+            <a:spLocks noGrp="1"/>
+          </p:cNvSpPr>
+          <p:nvPr>
+            <p:ph type="sldNum" sz="quarter" idx="12"/>
+          </p:nvPr>
+        </p:nvSpPr>
+        <p:spPr/>
+        <p:txBody>
+          <a:bodyPr/>
+          <a:lstStyle/>
+          <a:p>
+            <a:fld id="{AD64A819-E283-42A6-A57A-C7F0A2F18E80}" type="slidenum">
+              <a:rPr lang="zh-TW" altLang="en-US" smtClean="0">
+                <a:solidFill>
+                  <a:prstClr val="black">
+                    <a:tint val="75000"/>
+                  </a:prstClr>
+                </a:solidFill>
+              </a:rPr>
+              <a:pPr/>
+              <a:t>6</a:t>
             </a:fld>
             <a:endParaRPr lang="zh-TW" altLang="en-US" dirty="0">
               <a:solidFill>
@@ -6551,39 +7101,11 @@
           <a:p>
             <a:r>
               <a:rPr lang="en-US" altLang="zh-TW" sz="2000" dirty="0"/>
-              <a:t>During BTI, the AP will </a:t>
-            </a:r>
-            <a:r>
-              <a:rPr lang="en-US" altLang="zh-TW" sz="2000" dirty="0" smtClean="0"/>
-              <a:t>train </a:t>
-            </a:r>
-            <a:r>
-              <a:rPr lang="en-US" altLang="zh-TW" sz="2000" dirty="0"/>
-              <a:t>its optimal transmission </a:t>
-            </a:r>
-            <a:r>
-              <a:rPr lang="en-US" altLang="zh-TW" sz="2000" dirty="0" smtClean="0"/>
-              <a:t>beam, </a:t>
-            </a:r>
-            <a:r>
-              <a:rPr lang="en-US" altLang="zh-TW" sz="2000" dirty="0"/>
-              <a:t>so called </a:t>
+              <a:t>During BTI, the AP will train its optimal transmission beam, so called </a:t>
             </a:r>
             <a:r>
               <a:rPr lang="en-US" altLang="zh-TW" sz="2000" b="1" dirty="0"/>
-              <a:t>initiator sector </a:t>
-            </a:r>
-            <a:r>
-              <a:rPr lang="en-US" altLang="zh-TW" sz="2000" b="1" dirty="0" smtClean="0"/>
-              <a:t>sweep (</a:t>
-            </a:r>
-            <a:r>
-              <a:rPr lang="en-US" altLang="zh-TW" sz="2000" b="1" dirty="0"/>
-              <a:t>ISS</a:t>
-            </a:r>
-            <a:r>
-              <a:rPr lang="en-US" altLang="zh-TW" sz="2000" b="1" dirty="0" smtClean="0"/>
-              <a:t>)</a:t>
+              <a:t>initiator sector sweep (ISS)</a:t>
             </a:r>
           </a:p>
           <a:p>
@@ -6594,15 +7116,34 @@
                   <a:srgbClr val="00279F"/>
                 </a:solidFill>
               </a:rPr>
-              <a:t>The AP will </a:t>
-            </a:r>
-            <a:r>
-              <a:rPr lang="en-US" altLang="zh-TW" sz="1800" dirty="0" smtClean="0">
+              <a:t>The AP will beacon </a:t>
+            </a:r>
+            <a:r>
+              <a:rPr lang="en-US" altLang="zh-TW" sz="1800" b="1" dirty="0">
                 <a:solidFill>
                   <a:srgbClr val="00279F"/>
                 </a:solidFill>
               </a:rPr>
-              <a:t>beacon </a:t>
+              <a:t>sector sweep (SSW) </a:t>
+            </a:r>
+            <a:r>
+              <a:rPr lang="en-US" altLang="zh-TW" sz="1800" dirty="0">
+                <a:solidFill>
+                  <a:srgbClr val="00279F"/>
+                </a:solidFill>
+              </a:rPr>
+              <a:t>frames from sequential sectors</a:t>
+            </a:r>
+          </a:p>
+          <a:p>
+            <a:pPr lvl="1"/>
+            <a:r>
+              <a:rPr lang="en-US" altLang="zh-TW" sz="1800" dirty="0">
+                <a:solidFill>
+                  <a:srgbClr val="00279F"/>
+                </a:solidFill>
+              </a:rPr>
+              <a:t>In these SSW frames, the receiving user equipment (UE) will obtain the </a:t>
             </a:r>
             <a:r>
               <a:rPr lang="en-US" altLang="zh-TW" sz="1800" b="1" dirty="0">
@@ -6610,7 +7151,7 @@
                   <a:srgbClr val="00279F"/>
                 </a:solidFill>
               </a:rPr>
-              <a:t>sector sweep (SSW) </a:t>
+              <a:t>beam (index) ID and signal-to-noise ratio (SNR) </a:t>
             </a:r>
             <a:r>
               <a:rPr lang="en-US" altLang="zh-TW" sz="1800" dirty="0">
@@ -6618,119 +7159,7 @@
                   <a:srgbClr val="00279F"/>
                 </a:solidFill>
               </a:rPr>
-              <a:t>frames from </a:t>
-            </a:r>
-            <a:r>
-              <a:rPr lang="en-US" altLang="zh-TW" sz="1800" dirty="0" smtClean="0">
-                <a:solidFill>
-                  <a:srgbClr val="00279F"/>
-                </a:solidFill>
-              </a:rPr>
-              <a:t>sequential </a:t>
-            </a:r>
-            <a:r>
-              <a:rPr lang="en-US" altLang="zh-TW" sz="1800" dirty="0">
-                <a:solidFill>
-                  <a:srgbClr val="00279F"/>
-                </a:solidFill>
-              </a:rPr>
-              <a:t>sectors</a:t>
-            </a:r>
-            <a:endParaRPr lang="en-US" altLang="zh-TW" sz="1800" dirty="0" smtClean="0">
-              <a:solidFill>
-                <a:srgbClr val="00279F"/>
-              </a:solidFill>
-            </a:endParaRPr>
-          </a:p>
-          <a:p>
-            <a:pPr lvl="1"/>
-            <a:r>
-              <a:rPr lang="en-US" altLang="zh-TW" sz="1800" dirty="0">
-                <a:solidFill>
-                  <a:srgbClr val="00279F"/>
-                </a:solidFill>
-              </a:rPr>
-              <a:t>In these SSW frames, </a:t>
-            </a:r>
-            <a:r>
-              <a:rPr lang="en-US" altLang="zh-TW" sz="1800" dirty="0" smtClean="0">
-                <a:solidFill>
-                  <a:srgbClr val="00279F"/>
-                </a:solidFill>
-              </a:rPr>
-              <a:t>the receiving </a:t>
-            </a:r>
-            <a:r>
-              <a:rPr lang="en-US" altLang="zh-TW" sz="1800" dirty="0">
-                <a:solidFill>
-                  <a:srgbClr val="00279F"/>
-                </a:solidFill>
-              </a:rPr>
-              <a:t>user equipment </a:t>
-            </a:r>
-            <a:r>
-              <a:rPr lang="en-US" altLang="zh-TW" sz="1800" dirty="0" smtClean="0">
-                <a:solidFill>
-                  <a:srgbClr val="00279F"/>
-                </a:solidFill>
-              </a:rPr>
-              <a:t>(UE) will obtain </a:t>
-            </a:r>
-            <a:r>
-              <a:rPr lang="en-US" altLang="zh-TW" sz="1800" dirty="0">
-                <a:solidFill>
-                  <a:srgbClr val="00279F"/>
-                </a:solidFill>
-              </a:rPr>
-              <a:t>the </a:t>
-            </a:r>
-            <a:r>
-              <a:rPr lang="en-US" altLang="zh-TW" sz="1800" b="1" dirty="0">
-                <a:solidFill>
-                  <a:srgbClr val="00279F"/>
-                </a:solidFill>
-              </a:rPr>
-              <a:t>beam </a:t>
-            </a:r>
-            <a:r>
-              <a:rPr lang="en-US" altLang="zh-TW" sz="1800" b="1" dirty="0" smtClean="0">
-                <a:solidFill>
-                  <a:srgbClr val="00279F"/>
-                </a:solidFill>
-              </a:rPr>
-              <a:t>(index) ID </a:t>
-            </a:r>
-            <a:r>
-              <a:rPr lang="en-US" altLang="zh-TW" sz="1800" b="1" dirty="0">
-                <a:solidFill>
-                  <a:srgbClr val="00279F"/>
-                </a:solidFill>
-              </a:rPr>
-              <a:t>and signal-to-noise ratio (SNR) </a:t>
-            </a:r>
-            <a:r>
-              <a:rPr lang="en-US" altLang="zh-TW" sz="1800" dirty="0" smtClean="0">
-                <a:solidFill>
-                  <a:srgbClr val="00279F"/>
-                </a:solidFill>
-              </a:rPr>
-              <a:t>of </a:t>
-            </a:r>
-            <a:r>
-              <a:rPr lang="en-US" altLang="zh-TW" sz="1800" dirty="0">
-                <a:solidFill>
-                  <a:srgbClr val="00279F"/>
-                </a:solidFill>
-              </a:rPr>
-              <a:t>each </a:t>
-            </a:r>
-            <a:r>
-              <a:rPr lang="en-US" altLang="zh-TW" sz="1800" dirty="0" smtClean="0">
-                <a:solidFill>
-                  <a:srgbClr val="00279F"/>
-                </a:solidFill>
-              </a:rPr>
-              <a:t>beam</a:t>
+              <a:t>of each beam</a:t>
             </a:r>
           </a:p>
         </p:txBody>
@@ -6791,17 +7220,10 @@
   <p:clrMapOvr>
     <a:masterClrMapping/>
   </p:clrMapOvr>
-  <p:timing>
-    <p:tnLst>
-      <p:par>
-        <p:cTn id="1" dur="indefinite" restart="never" nodeType="tmRoot"/>
-      </p:par>
-    </p:tnLst>
-  </p:timing>
 </p:sld>
 </file>
 
-<file path=ppt/slides/slide6.xml><?xml version="1.0" encoding="utf-8"?>
+<file path=ppt/slides/slide7.xml><?xml version="1.0" encoding="utf-8"?>
 <p:sld xmlns:a="http://schemas.openxmlformats.org/drawingml/2006/main" xmlns:r="http://schemas.openxmlformats.org/officeDocument/2006/relationships" xmlns:p="http://schemas.openxmlformats.org/presentationml/2006/main">
   <p:cSld>
     <p:spTree>
@@ -6835,7 +7257,7 @@
           <a:p>
             <a:pPr algn="ctr"/>
             <a:r>
-              <a:rPr lang="en-US" altLang="zh-TW" b="1" dirty="0" smtClean="0">
+              <a:rPr lang="en-US" altLang="zh-TW" b="1" dirty="0">
                 <a:solidFill>
                   <a:srgbClr val="00279F"/>
                 </a:solidFill>
@@ -6878,49 +7300,16 @@
             </a:pPr>
             <a:r>
               <a:rPr lang="en-US" altLang="zh-TW" dirty="0"/>
-              <a:t>[1] S. Scott-Hayward and E. Garcia-Palacios, “High Deﬁnition Video in IEEE 802.15.3c </a:t>
-            </a:r>
-            <a:r>
-              <a:rPr lang="en-US" altLang="zh-TW" dirty="0" smtClean="0"/>
-              <a:t>mm-Wave </a:t>
+              <a:t>[1] S. Scott-Hayward and E. Garcia-Palacios, “High Deﬁnition Video in IEEE 802.15.3c mm-Wave Wireless Personal Area Networks,” in Proc. </a:t>
+            </a:r>
+            <a:r>
+              <a:rPr lang="en-US" altLang="zh-TW" i="1" dirty="0"/>
+              <a:t>IEEE 36th Conference on Local Computer Networks (LCN)</a:t>
             </a:r>
             <a:r>
               <a:rPr lang="en-US" altLang="zh-TW" dirty="0"/>
-              <a:t>Wireless Personal </a:t>
-            </a:r>
-            <a:r>
-              <a:rPr lang="en-US" altLang="zh-TW" dirty="0" smtClean="0"/>
-              <a:t>Area Networks</a:t>
-            </a:r>
-            <a:r>
-              <a:rPr lang="en-US" altLang="zh-TW" dirty="0"/>
-              <a:t>,” in Proc. </a:t>
-            </a:r>
-            <a:r>
-              <a:rPr lang="en-US" altLang="zh-TW" i="1" dirty="0"/>
-              <a:t>IEEE 36th Conference on Local </a:t>
-            </a:r>
-            <a:r>
-              <a:rPr lang="en-US" altLang="zh-TW" i="1" dirty="0" smtClean="0"/>
-              <a:t>Computer Networks </a:t>
-            </a:r>
-            <a:r>
-              <a:rPr lang="en-US" altLang="zh-TW" i="1" dirty="0"/>
-              <a:t>(LCN</a:t>
-            </a:r>
-            <a:r>
-              <a:rPr lang="en-US" altLang="zh-TW" i="1" dirty="0" smtClean="0"/>
-              <a:t>)</a:t>
-            </a:r>
-            <a:r>
-              <a:rPr lang="en-US" altLang="zh-TW" dirty="0" smtClean="0"/>
-              <a:t>, </a:t>
-            </a:r>
-            <a:r>
-              <a:rPr lang="en-US" altLang="zh-TW" dirty="0"/>
-              <a:t>pp. 93–100, Oct. 2011.</a:t>
-            </a:r>
-            <a:endParaRPr lang="en-US" altLang="zh-TW" dirty="0" smtClean="0"/>
+              <a:t>, pp. 93–100, Oct. 2011.</a:t>
+            </a:r>
           </a:p>
           <a:p>
             <a:pPr marL="0" indent="0">
@@ -6944,57 +7333,24 @@
             </a:r>
             <a:r>
               <a:rPr lang="en-US" altLang="zh-TW" dirty="0"/>
-              <a:t>, “Application of 5G Next Generation Network to Internet of Things</a:t>
-            </a:r>
-            <a:r>
-              <a:rPr lang="en-US" altLang="zh-TW" dirty="0" smtClean="0"/>
-              <a:t>,” in </a:t>
+              <a:t>, “Application of 5G Next Generation Network to Internet of Things,” in Proc. </a:t>
+            </a:r>
+            <a:r>
+              <a:rPr lang="en-US" altLang="zh-TW" i="1" dirty="0"/>
+              <a:t>International Conference on Internet of Things and Applications (IOTA)</a:t>
             </a:r>
             <a:r>
               <a:rPr lang="en-US" altLang="zh-TW" dirty="0"/>
-              <a:t>Proc. </a:t>
-            </a:r>
-            <a:r>
-              <a:rPr lang="en-US" altLang="zh-TW" i="1" dirty="0" smtClean="0"/>
-              <a:t>International Conference </a:t>
-            </a:r>
-            <a:r>
-              <a:rPr lang="en-US" altLang="zh-TW" i="1" dirty="0"/>
-              <a:t>on Internet of Things and Applications (</a:t>
-            </a:r>
-            <a:r>
-              <a:rPr lang="en-US" altLang="zh-TW" i="1" dirty="0" smtClean="0"/>
-              <a:t>IOTA)</a:t>
-            </a:r>
-            <a:r>
-              <a:rPr lang="en-US" altLang="zh-TW" dirty="0" smtClean="0"/>
-              <a:t>, </a:t>
-            </a:r>
+              <a:t>, pp. 443–447, Jan. 2016.</a:t>
+            </a:r>
+          </a:p>
+          <a:p>
+            <a:pPr marL="0" indent="0">
+              <a:buNone/>
+            </a:pPr>
             <a:r>
               <a:rPr lang="en-US" altLang="zh-TW" dirty="0"/>
-              <a:t>pp. </a:t>
-            </a:r>
-            <a:r>
-              <a:rPr lang="en-US" altLang="zh-TW" dirty="0" smtClean="0"/>
-              <a:t>443–447, Jan</a:t>
-            </a:r>
-            <a:r>
-              <a:rPr lang="en-US" altLang="zh-TW" dirty="0"/>
-              <a:t>. 2016.</a:t>
-            </a:r>
-            <a:endParaRPr lang="en-US" altLang="zh-TW" dirty="0" smtClean="0"/>
-          </a:p>
-          <a:p>
-            <a:pPr marL="0" indent="0">
-              <a:buNone/>
-            </a:pPr>
-            <a:r>
-              <a:rPr lang="en-US" altLang="zh-TW" dirty="0" smtClean="0"/>
-              <a:t>[3] </a:t>
-            </a:r>
-            <a:r>
-              <a:rPr lang="en-US" altLang="zh-TW" dirty="0"/>
-              <a:t>R. K. Crone, “Propagation Effects at Millimeter Wavelengths,” in Proc</a:t>
+              <a:t>[3] R. K. Crone, “Propagation Effects at Millimeter Wavelengths,” in Proc</a:t>
             </a:r>
             <a:r>
               <a:rPr lang="en-US" altLang="zh-TW" i="1" dirty="0"/>
@@ -7002,29 +7358,16 @@
             </a:r>
             <a:r>
               <a:rPr lang="en-US" altLang="zh-TW" dirty="0"/>
-              <a:t>, vol. </a:t>
-            </a:r>
-            <a:r>
-              <a:rPr lang="en-US" altLang="zh-TW" dirty="0" smtClean="0"/>
-              <a:t>2, </a:t>
-            </a:r>
+              <a:t>, vol. 2, pp. 432–437 , Oct. 1985.</a:t>
+            </a:r>
+          </a:p>
+          <a:p>
+            <a:pPr marL="0" indent="0">
+              <a:buNone/>
+            </a:pPr>
             <a:r>
               <a:rPr lang="en-US" altLang="zh-TW" dirty="0"/>
-              <a:t>pp. 432–437 , Oct. 1985.</a:t>
-            </a:r>
-            <a:endParaRPr lang="en-US" altLang="zh-TW" dirty="0" smtClean="0"/>
-          </a:p>
-          <a:p>
-            <a:pPr marL="0" indent="0">
-              <a:buNone/>
-            </a:pPr>
-            <a:r>
-              <a:rPr lang="en-US" altLang="zh-TW" dirty="0" smtClean="0"/>
-              <a:t>[4] </a:t>
-            </a:r>
-            <a:r>
-              <a:rPr lang="en-US" altLang="zh-TW" dirty="0"/>
-              <a:t>W. </a:t>
+              <a:t>[4] W. </a:t>
             </a:r>
             <a:r>
               <a:rPr lang="en-US" altLang="zh-TW" dirty="0" err="1"/>
@@ -7044,19 +7387,11 @@
             </a:r>
             <a:r>
               <a:rPr lang="en-US" altLang="zh-TW" i="1" dirty="0"/>
-              <a:t>et al</a:t>
-            </a:r>
-            <a:r>
-              <a:rPr lang="en-US" altLang="zh-TW" i="1" dirty="0" smtClean="0"/>
-              <a:t>.</a:t>
-            </a:r>
-            <a:r>
-              <a:rPr lang="en-US" altLang="zh-TW" dirty="0" smtClean="0"/>
-              <a:t>, </a:t>
+              <a:t>et al.</a:t>
             </a:r>
             <a:r>
               <a:rPr lang="en-US" altLang="zh-TW" dirty="0"/>
-              <a:t>“Millimeter-wave Beamforming as an Enabling Technology for 5G Cellular Communications: Theoretical Feasibility and Prototype Results,” </a:t>
+              <a:t>, “Millimeter-wave Beamforming as an Enabling Technology for 5G Cellular Communications: Theoretical Feasibility and Prototype Results,” </a:t>
             </a:r>
             <a:r>
               <a:rPr lang="en-US" altLang="zh-TW" i="1" dirty="0"/>
@@ -7064,11 +7399,7 @@
             </a:r>
             <a:r>
               <a:rPr lang="en-US" altLang="zh-TW" dirty="0"/>
-              <a:t>, vol. 52, no. 2, pp. 106–113, Feb. 2014</a:t>
-            </a:r>
-            <a:r>
-              <a:rPr lang="en-US" altLang="zh-TW" dirty="0" smtClean="0"/>
-              <a:t>.</a:t>
+              <a:t>, vol. 52, no. 2, pp. 106–113, Feb. 2014.</a:t>
             </a:r>
           </a:p>
           <a:p>
@@ -7076,12 +7407,8 @@
               <a:buNone/>
             </a:pPr>
             <a:r>
-              <a:rPr lang="en-US" altLang="zh-TW" dirty="0" smtClean="0"/>
-              <a:t>[5] </a:t>
-            </a:r>
-            <a:r>
               <a:rPr lang="en-US" altLang="zh-TW" dirty="0"/>
-              <a:t>V. </a:t>
+              <a:t>[5] V. </a:t>
             </a:r>
             <a:r>
               <a:rPr lang="en-US" altLang="zh-TW" dirty="0" err="1"/>
@@ -7093,19 +7420,11 @@
             </a:r>
             <a:r>
               <a:rPr lang="en-US" altLang="zh-TW" i="1" dirty="0"/>
-              <a:t>et al</a:t>
-            </a:r>
-            <a:r>
-              <a:rPr lang="en-US" altLang="zh-TW" i="1" dirty="0" smtClean="0"/>
-              <a:t>.</a:t>
-            </a:r>
-            <a:r>
-              <a:rPr lang="en-US" altLang="zh-TW" dirty="0" smtClean="0"/>
-              <a:t>, </a:t>
+              <a:t>et al.</a:t>
             </a:r>
             <a:r>
               <a:rPr lang="en-US" altLang="zh-TW" dirty="0"/>
-              <a:t>“Directional Beamforming for Millimeter-Wave MIMO Systems,” in Proc. </a:t>
+              <a:t>, “Directional Beamforming for Millimeter-Wave MIMO Systems,” in Proc. </a:t>
             </a:r>
             <a:r>
               <a:rPr lang="en-US" altLang="zh-TW" i="1" dirty="0"/>
@@ -7113,40 +7432,16 @@
             </a:r>
             <a:r>
               <a:rPr lang="en-US" altLang="zh-TW" dirty="0"/>
-              <a:t>, </a:t>
-            </a:r>
-            <a:r>
-              <a:rPr lang="en-US" altLang="zh-TW" dirty="0" smtClean="0"/>
-              <a:t>pp</a:t>
-            </a:r>
+              <a:t>, pp. 1–7, Dec. 2015.</a:t>
+            </a:r>
+          </a:p>
+          <a:p>
+            <a:pPr marL="0" indent="0">
+              <a:buNone/>
+            </a:pPr>
             <a:r>
               <a:rPr lang="en-US" altLang="zh-TW" dirty="0"/>
-              <a:t>. </a:t>
-            </a:r>
-            <a:r>
-              <a:rPr lang="en-US" altLang="zh-TW" dirty="0" smtClean="0"/>
-              <a:t>1–7, </a:t>
-            </a:r>
-            <a:r>
-              <a:rPr lang="en-US" altLang="zh-TW" dirty="0"/>
-              <a:t>Dec. </a:t>
-            </a:r>
-            <a:r>
-              <a:rPr lang="en-US" altLang="zh-TW" dirty="0" smtClean="0"/>
-              <a:t>2015.</a:t>
-            </a:r>
-          </a:p>
-          <a:p>
-            <a:pPr marL="0" indent="0">
-              <a:buNone/>
-            </a:pPr>
-            <a:r>
-              <a:rPr lang="en-US" altLang="zh-TW" dirty="0" smtClean="0"/>
-              <a:t>[6] </a:t>
-            </a:r>
-            <a:r>
-              <a:rPr lang="en-US" altLang="zh-TW" dirty="0"/>
-              <a:t>T. </a:t>
+              <a:t>[6] T. </a:t>
             </a:r>
             <a:r>
               <a:rPr lang="en-US" altLang="zh-TW" dirty="0" err="1"/>
@@ -7186,12 +7481,8 @@
               <a:buNone/>
             </a:pPr>
             <a:r>
-              <a:rPr lang="en-US" altLang="zh-TW" dirty="0" smtClean="0"/>
-              <a:t>[7] </a:t>
-            </a:r>
-            <a:r>
               <a:rPr lang="en-US" altLang="zh-TW" dirty="0"/>
-              <a:t>Y. </a:t>
+              <a:t>[7] Y. </a:t>
             </a:r>
             <a:r>
               <a:rPr lang="en-US" altLang="zh-TW" dirty="0" err="1"/>
@@ -7252,7 +7543,7 @@
                 </a:solidFill>
               </a:rPr>
               <a:pPr/>
-              <a:t>6</a:t>
+              <a:t>7</a:t>
             </a:fld>
             <a:endParaRPr lang="zh-TW" altLang="en-US" dirty="0">
               <a:solidFill>
@@ -7274,13 +7565,202 @@
   <p:clrMapOvr>
     <a:masterClrMapping/>
   </p:clrMapOvr>
-  <p:timing>
-    <p:tnLst>
-      <p:par>
-        <p:cTn id="1" dur="indefinite" restart="never" nodeType="tmRoot"/>
-      </p:par>
-    </p:tnLst>
-  </p:timing>
+</p:sld>
+</file>
+
+<file path=ppt/slides/slide8.xml><?xml version="1.0" encoding="utf-8"?>
+<p:sld xmlns:a="http://schemas.openxmlformats.org/drawingml/2006/main" xmlns:r="http://schemas.openxmlformats.org/officeDocument/2006/relationships" xmlns:p="http://schemas.openxmlformats.org/presentationml/2006/main">
+  <p:cSld>
+    <p:spTree>
+      <p:nvGrpSpPr>
+        <p:cNvPr id="1" name="Shape 235"/>
+        <p:cNvGrpSpPr/>
+        <p:nvPr/>
+      </p:nvGrpSpPr>
+      <p:grpSpPr>
+        <a:xfrm>
+          <a:off x="0" y="0"/>
+          <a:ext cx="0" cy="0"/>
+          <a:chOff x="0" y="0"/>
+          <a:chExt cx="0" cy="0"/>
+        </a:xfrm>
+      </p:grpSpPr>
+      <p:sp>
+        <p:nvSpPr>
+          <p:cNvPr id="236" name="Google Shape;236;p20"/>
+          <p:cNvSpPr txBox="1">
+            <a:spLocks noGrp="1"/>
+          </p:cNvSpPr>
+          <p:nvPr>
+            <p:ph type="title"/>
+          </p:nvPr>
+        </p:nvSpPr>
+        <p:spPr>
+          <a:xfrm>
+            <a:off x="457200" y="260648"/>
+            <a:ext cx="8229600" cy="634082"/>
+          </a:xfrm>
+          <a:prstGeom prst="rect">
+            <a:avLst/>
+          </a:prstGeom>
+          <a:noFill/>
+          <a:ln>
+            <a:noFill/>
+          </a:ln>
+        </p:spPr>
+        <p:txBody>
+          <a:bodyPr spcFirstLastPara="1" wrap="square" lIns="91425" tIns="45700" rIns="91425" bIns="45700" anchor="ctr" anchorCtr="0">
+            <a:noAutofit/>
+          </a:bodyPr>
+          <a:lstStyle/>
+          <a:p>
+            <a:pPr marL="0" lvl="0" indent="0" algn="ctr" rtl="0">
+              <a:spcBef>
+                <a:spcPts val="0"/>
+              </a:spcBef>
+              <a:spcAft>
+                <a:spcPts val="0"/>
+              </a:spcAft>
+              <a:buClr>
+                <a:srgbClr val="00279F"/>
+              </a:buClr>
+              <a:buSzPts val="2800"/>
+              <a:buFont typeface="Times New Roman"/>
+              <a:buNone/>
+            </a:pPr>
+            <a:r>
+              <a:rPr lang="en-US" b="1">
+                <a:solidFill>
+                  <a:srgbClr val="00279F"/>
+                </a:solidFill>
+                <a:latin typeface="Times New Roman"/>
+                <a:ea typeface="Times New Roman"/>
+                <a:cs typeface="Times New Roman"/>
+                <a:sym typeface="Times New Roman"/>
+              </a:rPr>
+              <a:t>References </a:t>
+            </a:r>
+            <a:endParaRPr b="1">
+              <a:solidFill>
+                <a:srgbClr val="00279F"/>
+              </a:solidFill>
+              <a:latin typeface="Times New Roman"/>
+              <a:ea typeface="Times New Roman"/>
+              <a:cs typeface="Times New Roman"/>
+              <a:sym typeface="Times New Roman"/>
+            </a:endParaRPr>
+          </a:p>
+        </p:txBody>
+      </p:sp>
+      <p:sp>
+        <p:nvSpPr>
+          <p:cNvPr id="237" name="Google Shape;237;p20"/>
+          <p:cNvSpPr txBox="1">
+            <a:spLocks noGrp="1"/>
+          </p:cNvSpPr>
+          <p:nvPr>
+            <p:ph type="body" idx="1"/>
+          </p:nvPr>
+        </p:nvSpPr>
+        <p:spPr>
+          <a:xfrm>
+            <a:off x="457200" y="1196752"/>
+            <a:ext cx="8229600" cy="4929411"/>
+          </a:xfrm>
+          <a:prstGeom prst="rect">
+            <a:avLst/>
+          </a:prstGeom>
+          <a:noFill/>
+          <a:ln>
+            <a:noFill/>
+          </a:ln>
+        </p:spPr>
+        <p:txBody>
+          <a:bodyPr spcFirstLastPara="1" wrap="square" lIns="91425" tIns="45700" rIns="91425" bIns="45700" anchor="t" anchorCtr="0">
+            <a:normAutofit/>
+          </a:bodyPr>
+          <a:lstStyle/>
+          <a:p>
+            <a:pPr marL="0" lvl="0" indent="0" algn="l" rtl="0">
+              <a:spcBef>
+                <a:spcPts val="0"/>
+              </a:spcBef>
+              <a:spcAft>
+                <a:spcPts val="0"/>
+              </a:spcAft>
+              <a:buClr>
+                <a:schemeClr val="dk1"/>
+              </a:buClr>
+              <a:buSzPts val="1600"/>
+              <a:buNone/>
+            </a:pPr>
+            <a:r>
+              <a:rPr lang="en-US"/>
+              <a:t>[1] D. Lopez-Perez, A. Garcia-Rodriguez, L. Galati-Giordano, M. Kasslin and K. Doppler, "IEEE 802.11be Extremely High Throughput: The Next Generation of Wi-Fi Technology Beyond 802.11ax," in IEEE Communications Magazine, vol. 57, no. 9, pp. 113-119, September 2019, doi: 10.1109/MCOM.001.1900338.</a:t>
+            </a:r>
+            <a:endParaRPr/>
+          </a:p>
+        </p:txBody>
+      </p:sp>
+      <p:sp>
+        <p:nvSpPr>
+          <p:cNvPr id="238" name="Google Shape;238;p20"/>
+          <p:cNvSpPr txBox="1">
+            <a:spLocks noGrp="1"/>
+          </p:cNvSpPr>
+          <p:nvPr>
+            <p:ph type="sldNum" idx="12"/>
+          </p:nvPr>
+        </p:nvSpPr>
+        <p:spPr>
+          <a:xfrm>
+            <a:off x="6553200" y="6356350"/>
+            <a:ext cx="2411288" cy="365125"/>
+          </a:xfrm>
+          <a:prstGeom prst="rect">
+            <a:avLst/>
+          </a:prstGeom>
+          <a:noFill/>
+          <a:ln>
+            <a:noFill/>
+          </a:ln>
+        </p:spPr>
+        <p:txBody>
+          <a:bodyPr spcFirstLastPara="1" wrap="square" lIns="91425" tIns="45700" rIns="91425" bIns="45700" anchor="ctr" anchorCtr="0">
+            <a:noAutofit/>
+          </a:bodyPr>
+          <a:lstStyle/>
+          <a:p>
+            <a:pPr marL="0" lvl="0" indent="0" algn="r" rtl="0">
+              <a:spcBef>
+                <a:spcPts val="0"/>
+              </a:spcBef>
+              <a:spcAft>
+                <a:spcPts val="0"/>
+              </a:spcAft>
+              <a:buNone/>
+            </a:pPr>
+            <a:fld id="{00000000-1234-1234-1234-123412341234}" type="slidenum">
+              <a:rPr lang="en-US">
+                <a:solidFill>
+                  <a:srgbClr val="888888"/>
+                </a:solidFill>
+              </a:rPr>
+              <a:t>8</a:t>
+            </a:fld>
+            <a:endParaRPr>
+              <a:solidFill>
+                <a:srgbClr val="888888"/>
+              </a:solidFill>
+            </a:endParaRPr>
+          </a:p>
+        </p:txBody>
+      </p:sp>
+    </p:spTree>
+  </p:cSld>
+  <p:clrMapOvr>
+    <a:masterClrMapping/>
+  </p:clrMapOvr>
 </p:sld>
 </file>
 
